--- a/Embedded C Programming Design Patterns.pptx
+++ b/Embedded C Programming Design Patterns.pptx
@@ -781,7 +781,7 @@
           <a:p>
             <a:fld id="{FC6A8477-28DE-4BB0-B44B-4F06232BECEB}" type="datetimeFigureOut">
               <a:rPr lang="da-DK" smtClean="0"/>
-              <a:t>15-11-2023</a:t>
+              <a:t>21-02-2024</a:t>
             </a:fld>
             <a:endParaRPr lang="da-DK"/>
           </a:p>
@@ -1901,7 +1901,7 @@
           <a:p>
             <a:fld id="{FC6A8477-28DE-4BB0-B44B-4F06232BECEB}" type="datetimeFigureOut">
               <a:rPr lang="da-DK" smtClean="0"/>
-              <a:t>15-11-2023</a:t>
+              <a:t>21-02-2024</a:t>
             </a:fld>
             <a:endParaRPr lang="da-DK"/>
           </a:p>
@@ -2912,7 +2912,7 @@
           <a:p>
             <a:fld id="{FC6A8477-28DE-4BB0-B44B-4F06232BECEB}" type="datetimeFigureOut">
               <a:rPr lang="da-DK" smtClean="0"/>
-              <a:t>15-11-2023</a:t>
+              <a:t>21-02-2024</a:t>
             </a:fld>
             <a:endParaRPr lang="da-DK"/>
           </a:p>
@@ -4082,7 +4082,7 @@
           <a:p>
             <a:fld id="{FC6A8477-28DE-4BB0-B44B-4F06232BECEB}" type="datetimeFigureOut">
               <a:rPr lang="da-DK" smtClean="0"/>
-              <a:t>15-11-2023</a:t>
+              <a:t>21-02-2024</a:t>
             </a:fld>
             <a:endParaRPr lang="da-DK"/>
           </a:p>
@@ -5143,7 +5143,7 @@
           <a:p>
             <a:fld id="{FC6A8477-28DE-4BB0-B44B-4F06232BECEB}" type="datetimeFigureOut">
               <a:rPr lang="da-DK" smtClean="0"/>
-              <a:t>15-11-2023</a:t>
+              <a:t>21-02-2024</a:t>
             </a:fld>
             <a:endParaRPr lang="da-DK"/>
           </a:p>
@@ -5789,7 +5789,7 @@
           <a:p>
             <a:fld id="{FC6A8477-28DE-4BB0-B44B-4F06232BECEB}" type="datetimeFigureOut">
               <a:rPr lang="da-DK" smtClean="0"/>
-              <a:t>15-11-2023</a:t>
+              <a:t>21-02-2024</a:t>
             </a:fld>
             <a:endParaRPr lang="da-DK"/>
           </a:p>
@@ -6636,7 +6636,7 @@
           <a:p>
             <a:fld id="{FC6A8477-28DE-4BB0-B44B-4F06232BECEB}" type="datetimeFigureOut">
               <a:rPr lang="da-DK" smtClean="0"/>
-              <a:t>15-11-2023</a:t>
+              <a:t>21-02-2024</a:t>
             </a:fld>
             <a:endParaRPr lang="da-DK"/>
           </a:p>
@@ -6811,7 +6811,7 @@
           <a:p>
             <a:fld id="{FC6A8477-28DE-4BB0-B44B-4F06232BECEB}" type="datetimeFigureOut">
               <a:rPr lang="da-DK" smtClean="0"/>
-              <a:t>15-11-2023</a:t>
+              <a:t>21-02-2024</a:t>
             </a:fld>
             <a:endParaRPr lang="da-DK"/>
           </a:p>
@@ -7809,7 +7809,7 @@
           <a:p>
             <a:fld id="{FC6A8477-28DE-4BB0-B44B-4F06232BECEB}" type="datetimeFigureOut">
               <a:rPr lang="da-DK" smtClean="0"/>
-              <a:t>15-11-2023</a:t>
+              <a:t>21-02-2024</a:t>
             </a:fld>
             <a:endParaRPr lang="da-DK"/>
           </a:p>
@@ -8015,7 +8015,7 @@
           <a:p>
             <a:fld id="{FC6A8477-28DE-4BB0-B44B-4F06232BECEB}" type="datetimeFigureOut">
               <a:rPr lang="da-DK" smtClean="0"/>
-              <a:t>15-11-2023</a:t>
+              <a:t>21-02-2024</a:t>
             </a:fld>
             <a:endParaRPr lang="da-DK"/>
           </a:p>
@@ -9077,7 +9077,7 @@
           <a:p>
             <a:fld id="{FC6A8477-28DE-4BB0-B44B-4F06232BECEB}" type="datetimeFigureOut">
               <a:rPr lang="da-DK" smtClean="0"/>
-              <a:t>15-11-2023</a:t>
+              <a:t>21-02-2024</a:t>
             </a:fld>
             <a:endParaRPr lang="da-DK"/>
           </a:p>
@@ -9349,7 +9349,7 @@
           <a:p>
             <a:fld id="{FC6A8477-28DE-4BB0-B44B-4F06232BECEB}" type="datetimeFigureOut">
               <a:rPr lang="da-DK" smtClean="0"/>
-              <a:t>15-11-2023</a:t>
+              <a:t>21-02-2024</a:t>
             </a:fld>
             <a:endParaRPr lang="da-DK"/>
           </a:p>
@@ -9731,7 +9731,7 @@
           <a:p>
             <a:fld id="{FC6A8477-28DE-4BB0-B44B-4F06232BECEB}" type="datetimeFigureOut">
               <a:rPr lang="da-DK" smtClean="0"/>
-              <a:t>15-11-2023</a:t>
+              <a:t>21-02-2024</a:t>
             </a:fld>
             <a:endParaRPr lang="da-DK"/>
           </a:p>
@@ -9849,7 +9849,7 @@
           <a:p>
             <a:fld id="{FC6A8477-28DE-4BB0-B44B-4F06232BECEB}" type="datetimeFigureOut">
               <a:rPr lang="da-DK" smtClean="0"/>
-              <a:t>15-11-2023</a:t>
+              <a:t>21-02-2024</a:t>
             </a:fld>
             <a:endParaRPr lang="da-DK"/>
           </a:p>
@@ -9944,7 +9944,7 @@
           <a:p>
             <a:fld id="{FC6A8477-28DE-4BB0-B44B-4F06232BECEB}" type="datetimeFigureOut">
               <a:rPr lang="da-DK" smtClean="0"/>
-              <a:t>15-11-2023</a:t>
+              <a:t>21-02-2024</a:t>
             </a:fld>
             <a:endParaRPr lang="da-DK"/>
           </a:p>
@@ -11053,7 +11053,7 @@
           <a:p>
             <a:fld id="{FC6A8477-28DE-4BB0-B44B-4F06232BECEB}" type="datetimeFigureOut">
               <a:rPr lang="da-DK" smtClean="0"/>
-              <a:t>15-11-2023</a:t>
+              <a:t>21-02-2024</a:t>
             </a:fld>
             <a:endParaRPr lang="da-DK"/>
           </a:p>
@@ -12186,7 +12186,7 @@
           <a:p>
             <a:fld id="{FC6A8477-28DE-4BB0-B44B-4F06232BECEB}" type="datetimeFigureOut">
               <a:rPr lang="da-DK" smtClean="0"/>
-              <a:t>15-11-2023</a:t>
+              <a:t>21-02-2024</a:t>
             </a:fld>
             <a:endParaRPr lang="da-DK"/>
           </a:p>
@@ -13214,7 +13214,7 @@
           <a:p>
             <a:fld id="{FC6A8477-28DE-4BB0-B44B-4F06232BECEB}" type="datetimeFigureOut">
               <a:rPr lang="da-DK" smtClean="0"/>
-              <a:t>15-11-2023</a:t>
+              <a:t>21-02-2024</a:t>
             </a:fld>
             <a:endParaRPr lang="da-DK"/>
           </a:p>
@@ -17311,7 +17311,7 @@
         </p:nvSpPr>
         <p:spPr>
           <a:xfrm>
-            <a:off x="838200" y="1825625"/>
+            <a:off x="774031" y="2170530"/>
             <a:ext cx="2965057" cy="4351338"/>
           </a:xfrm>
         </p:spPr>
@@ -17482,7 +17482,7 @@
         </p:nvSpPr>
         <p:spPr>
           <a:xfrm>
-            <a:off x="5567319" y="1825625"/>
+            <a:off x="5743782" y="2413337"/>
             <a:ext cx="4822853" cy="2031325"/>
           </a:xfrm>
           <a:prstGeom prst="rect">
@@ -18214,14 +18214,14 @@
               <a:buChar char=""/>
             </a:pPr>
             <a:r>
-              <a:rPr lang="da-DK" sz="1100" dirty="0">
+              <a:rPr lang="da-DK" sz="1100" b="1" dirty="0">
                 <a:effectLst/>
                 <a:latin typeface="Calibri" panose="020F0502020204030204" pitchFamily="34" charset="0"/>
                 <a:ea typeface="Times New Roman" panose="02020603050405020304" pitchFamily="18" charset="0"/>
               </a:rPr>
               <a:t>Gør det nemt at vedligeholde/øve kvalitet af driverlaget</a:t>
             </a:r>
-            <a:endParaRPr lang="en-DK" sz="1100" dirty="0">
+            <a:endParaRPr lang="en-DK" sz="1100" b="1" dirty="0">
               <a:effectLst/>
               <a:latin typeface="Calibri" panose="020F0502020204030204" pitchFamily="34" charset="0"/>
               <a:ea typeface="Calibri" panose="020F0502020204030204" pitchFamily="34" charset="0"/>
@@ -18233,7 +18233,7 @@
               <a:buChar char="o"/>
             </a:pPr>
             <a:r>
-              <a:rPr lang="da-DK" sz="1100" dirty="0">
+              <a:rPr lang="da-DK" sz="1100" b="1" dirty="0">
                 <a:effectLst/>
                 <a:latin typeface="Calibri" panose="020F0502020204030204" pitchFamily="34" charset="0"/>
                 <a:ea typeface="Times New Roman" panose="02020603050405020304" pitchFamily="18" charset="0"/>
@@ -18241,14 +18241,14 @@
               <a:t>Styre </a:t>
             </a:r>
             <a:r>
-              <a:rPr lang="da-DK" sz="1100" dirty="0" err="1">
+              <a:rPr lang="da-DK" sz="1100" b="1" dirty="0" err="1">
                 <a:effectLst/>
                 <a:latin typeface="Calibri" panose="020F0502020204030204" pitchFamily="34" charset="0"/>
                 <a:ea typeface="Times New Roman" panose="02020603050405020304" pitchFamily="18" charset="0"/>
               </a:rPr>
               <a:t>dependency</a:t>
             </a:r>
-            <a:endParaRPr lang="en-DK" sz="1100" dirty="0">
+            <a:endParaRPr lang="en-DK" sz="1100" b="1" dirty="0">
               <a:effectLst/>
               <a:latin typeface="Calibri" panose="020F0502020204030204" pitchFamily="34" charset="0"/>
               <a:ea typeface="Calibri" panose="020F0502020204030204" pitchFamily="34" charset="0"/>
@@ -18260,14 +18260,14 @@
               <a:buChar char="o"/>
             </a:pPr>
             <a:r>
-              <a:rPr lang="da-DK" sz="1100" dirty="0">
+              <a:rPr lang="da-DK" sz="1100" b="1" dirty="0">
                 <a:effectLst/>
                 <a:latin typeface="Calibri" panose="020F0502020204030204" pitchFamily="34" charset="0"/>
                 <a:ea typeface="Times New Roman" panose="02020603050405020304" pitchFamily="18" charset="0"/>
               </a:rPr>
               <a:t>Indføre test</a:t>
             </a:r>
-            <a:endParaRPr lang="en-DK" sz="1100" dirty="0">
+            <a:endParaRPr lang="en-DK" sz="1100" b="1" dirty="0">
               <a:effectLst/>
               <a:latin typeface="Calibri" panose="020F0502020204030204" pitchFamily="34" charset="0"/>
               <a:ea typeface="Calibri" panose="020F0502020204030204" pitchFamily="34" charset="0"/>
@@ -18279,14 +18279,14 @@
               <a:buChar char="o"/>
             </a:pPr>
             <a:r>
-              <a:rPr lang="da-DK" sz="1100" dirty="0">
+              <a:rPr lang="da-DK" sz="1100" b="1" dirty="0">
                 <a:effectLst/>
                 <a:latin typeface="Calibri" panose="020F0502020204030204" pitchFamily="34" charset="0"/>
                 <a:ea typeface="Times New Roman" panose="02020603050405020304" pitchFamily="18" charset="0"/>
               </a:rPr>
               <a:t>Mindske kompleksitet</a:t>
             </a:r>
-            <a:endParaRPr lang="en-DK" sz="1100" dirty="0">
+            <a:endParaRPr lang="en-DK" sz="1100" b="1" dirty="0">
               <a:effectLst/>
               <a:latin typeface="Calibri" panose="020F0502020204030204" pitchFamily="34" charset="0"/>
               <a:ea typeface="Calibri" panose="020F0502020204030204" pitchFamily="34" charset="0"/>
@@ -18298,14 +18298,14 @@
               <a:buChar char=""/>
             </a:pPr>
             <a:r>
-              <a:rPr lang="da-DK" sz="1100" dirty="0">
+              <a:rPr lang="da-DK" sz="1100" b="1" dirty="0">
                 <a:effectLst/>
                 <a:latin typeface="Calibri" panose="020F0502020204030204" pitchFamily="34" charset="0"/>
                 <a:ea typeface="Times New Roman" panose="02020603050405020304" pitchFamily="18" charset="0"/>
               </a:rPr>
               <a:t>Øge kvaliteten af kode</a:t>
             </a:r>
-            <a:endParaRPr lang="en-DK" sz="1100" dirty="0">
+            <a:endParaRPr lang="en-DK" sz="1100" b="1" dirty="0">
               <a:effectLst/>
               <a:latin typeface="Calibri" panose="020F0502020204030204" pitchFamily="34" charset="0"/>
               <a:ea typeface="Calibri" panose="020F0502020204030204" pitchFamily="34" charset="0"/>
@@ -18317,14 +18317,14 @@
               <a:buChar char="o"/>
             </a:pPr>
             <a:r>
-              <a:rPr lang="da-DK" sz="1100" dirty="0">
+              <a:rPr lang="da-DK" sz="1100" b="1" dirty="0">
                 <a:effectLst/>
                 <a:latin typeface="Calibri" panose="020F0502020204030204" pitchFamily="34" charset="0"/>
                 <a:ea typeface="Times New Roman" panose="02020603050405020304" pitchFamily="18" charset="0"/>
               </a:rPr>
               <a:t>Overskuelighed</a:t>
             </a:r>
-            <a:endParaRPr lang="en-DK" sz="1100" dirty="0">
+            <a:endParaRPr lang="en-DK" sz="1100" b="1" dirty="0">
               <a:effectLst/>
               <a:latin typeface="Calibri" panose="020F0502020204030204" pitchFamily="34" charset="0"/>
               <a:ea typeface="Calibri" panose="020F0502020204030204" pitchFamily="34" charset="0"/>
@@ -18336,21 +18336,21 @@
               <a:buChar char="o"/>
             </a:pPr>
             <a:r>
-              <a:rPr lang="da-DK" sz="1100" dirty="0">
+              <a:rPr lang="da-DK" sz="1100" b="1" dirty="0">
                 <a:latin typeface="Calibri" panose="020F0502020204030204" pitchFamily="34" charset="0"/>
                 <a:ea typeface="Times New Roman" panose="02020603050405020304" pitchFamily="18" charset="0"/>
               </a:rPr>
               <a:t>Bedre d</a:t>
             </a:r>
             <a:r>
-              <a:rPr lang="da-DK" sz="1100" dirty="0">
+              <a:rPr lang="da-DK" sz="1100" b="1" dirty="0">
                 <a:effectLst/>
                 <a:latin typeface="Calibri" panose="020F0502020204030204" pitchFamily="34" charset="0"/>
                 <a:ea typeface="Times New Roman" panose="02020603050405020304" pitchFamily="18" charset="0"/>
               </a:rPr>
               <a:t>okumentation</a:t>
             </a:r>
-            <a:endParaRPr lang="en-DK" sz="1100" dirty="0">
+            <a:endParaRPr lang="en-DK" sz="1100" b="1" dirty="0">
               <a:effectLst/>
               <a:latin typeface="Calibri" panose="020F0502020204030204" pitchFamily="34" charset="0"/>
               <a:ea typeface="Calibri" panose="020F0502020204030204" pitchFamily="34" charset="0"/>
@@ -18420,14 +18420,14 @@
               <a:buChar char="o"/>
             </a:pPr>
             <a:r>
-              <a:rPr lang="da-DK" sz="1100" dirty="0">
+              <a:rPr lang="da-DK" sz="1100" b="1" dirty="0">
                 <a:effectLst/>
                 <a:latin typeface="Calibri" panose="020F0502020204030204" pitchFamily="34" charset="0"/>
                 <a:ea typeface="Times New Roman" panose="02020603050405020304" pitchFamily="18" charset="0"/>
               </a:rPr>
               <a:t>Dokumentation</a:t>
             </a:r>
-            <a:endParaRPr lang="en-DK" sz="1100" dirty="0">
+            <a:endParaRPr lang="en-DK" sz="1100" b="1" dirty="0">
               <a:effectLst/>
               <a:latin typeface="Calibri" panose="020F0502020204030204" pitchFamily="34" charset="0"/>
               <a:ea typeface="Calibri" panose="020F0502020204030204" pitchFamily="34" charset="0"/>
@@ -18439,7 +18439,7 @@
               <a:buChar char="o"/>
             </a:pPr>
             <a:r>
-              <a:rPr lang="da-DK" sz="1100" dirty="0">
+              <a:rPr lang="da-DK" sz="1100" b="1" dirty="0">
                 <a:effectLst/>
                 <a:latin typeface="Calibri" panose="020F0502020204030204" pitchFamily="34" charset="0"/>
                 <a:ea typeface="Times New Roman" panose="02020603050405020304" pitchFamily="18" charset="0"/>
@@ -18453,13 +18453,13 @@
               <a:buChar char="o"/>
             </a:pPr>
             <a:r>
-              <a:rPr lang="da-DK" sz="1100" dirty="0">
+              <a:rPr lang="da-DK" sz="1100" b="1" dirty="0">
                 <a:latin typeface="Calibri" panose="020F0502020204030204" pitchFamily="34" charset="0"/>
                 <a:ea typeface="Calibri" panose="020F0502020204030204" pitchFamily="34" charset="0"/>
               </a:rPr>
               <a:t>Lagt en overordnet struktur</a:t>
             </a:r>
-            <a:endParaRPr lang="en-DK" sz="1100" dirty="0">
+            <a:endParaRPr lang="en-DK" sz="1100" b="1" dirty="0">
               <a:effectLst/>
               <a:latin typeface="Calibri" panose="020F0502020204030204" pitchFamily="34" charset="0"/>
               <a:ea typeface="Calibri" panose="020F0502020204030204" pitchFamily="34" charset="0"/>
@@ -18471,14 +18471,14 @@
               <a:buChar char="o"/>
             </a:pPr>
             <a:r>
-              <a:rPr lang="da-DK" sz="1100" dirty="0">
+              <a:rPr lang="da-DK" sz="1100" b="1" dirty="0">
                 <a:effectLst/>
                 <a:latin typeface="Calibri" panose="020F0502020204030204" pitchFamily="34" charset="0"/>
                 <a:ea typeface="Times New Roman" panose="02020603050405020304" pitchFamily="18" charset="0"/>
               </a:rPr>
               <a:t>Øge overskuelighed</a:t>
             </a:r>
-            <a:endParaRPr lang="en-DK" sz="1100" dirty="0">
+            <a:endParaRPr lang="en-DK" sz="1100" b="1" dirty="0">
               <a:effectLst/>
               <a:latin typeface="Calibri" panose="020F0502020204030204" pitchFamily="34" charset="0"/>
               <a:ea typeface="Calibri" panose="020F0502020204030204" pitchFamily="34" charset="0"/>
@@ -18490,7 +18490,7 @@
               <a:buChar char="o"/>
             </a:pPr>
             <a:r>
-              <a:rPr lang="da-DK" sz="1100" dirty="0">
+              <a:rPr lang="da-DK" sz="1100" b="1" dirty="0">
                 <a:effectLst/>
                 <a:latin typeface="Calibri" panose="020F0502020204030204" pitchFamily="34" charset="0"/>
                 <a:ea typeface="Times New Roman" panose="02020603050405020304" pitchFamily="18" charset="0"/>
@@ -18498,14 +18498,14 @@
               <a:t>Styring af </a:t>
             </a:r>
             <a:r>
-              <a:rPr lang="da-DK" sz="1100" dirty="0" err="1">
+              <a:rPr lang="da-DK" sz="1100" b="1" dirty="0" err="1">
                 <a:effectLst/>
                 <a:latin typeface="Calibri" panose="020F0502020204030204" pitchFamily="34" charset="0"/>
                 <a:ea typeface="Times New Roman" panose="02020603050405020304" pitchFamily="18" charset="0"/>
               </a:rPr>
               <a:t>dependency</a:t>
             </a:r>
-            <a:endParaRPr lang="da-DK" sz="1100" dirty="0">
+            <a:endParaRPr lang="da-DK" sz="1100" b="1" dirty="0">
               <a:effectLst/>
               <a:latin typeface="Calibri" panose="020F0502020204030204" pitchFamily="34" charset="0"/>
               <a:ea typeface="Times New Roman" panose="02020603050405020304" pitchFamily="18" charset="0"/>
@@ -18517,13 +18517,13 @@
               <a:buChar char="o"/>
             </a:pPr>
             <a:r>
-              <a:rPr lang="da-DK" sz="1100" dirty="0">
+              <a:rPr lang="da-DK" sz="1100" b="1" dirty="0">
                 <a:latin typeface="Calibri" panose="020F0502020204030204" pitchFamily="34" charset="0"/>
                 <a:ea typeface="Calibri" panose="020F0502020204030204" pitchFamily="34" charset="0"/>
               </a:rPr>
               <a:t>Ens formatering</a:t>
             </a:r>
-            <a:endParaRPr lang="en-DK" sz="1100" dirty="0">
+            <a:endParaRPr lang="en-DK" sz="1100" b="1" dirty="0">
               <a:effectLst/>
               <a:latin typeface="Calibri" panose="020F0502020204030204" pitchFamily="34" charset="0"/>
               <a:ea typeface="Calibri" panose="020F0502020204030204" pitchFamily="34" charset="0"/>
@@ -18535,14 +18535,14 @@
               <a:buChar char="o"/>
             </a:pPr>
             <a:r>
-              <a:rPr lang="da-DK" sz="1100" dirty="0">
+              <a:rPr lang="da-DK" sz="1100" b="1" dirty="0">
                 <a:effectLst/>
                 <a:latin typeface="Calibri" panose="020F0502020204030204" pitchFamily="34" charset="0"/>
                 <a:ea typeface="Times New Roman" panose="02020603050405020304" pitchFamily="18" charset="0"/>
               </a:rPr>
               <a:t>Sørge for at hvis nøglepersoner forsvinder, så kan det rimeligt hurtigt forsættes af en anden</a:t>
             </a:r>
-            <a:endParaRPr lang="en-DK" sz="1100" dirty="0">
+            <a:endParaRPr lang="en-DK" sz="1100" b="1" dirty="0">
               <a:effectLst/>
               <a:latin typeface="Calibri" panose="020F0502020204030204" pitchFamily="34" charset="0"/>
               <a:ea typeface="Calibri" panose="020F0502020204030204" pitchFamily="34" charset="0"/>
@@ -18554,14 +18554,14 @@
               <a:buChar char="o"/>
             </a:pPr>
             <a:r>
-              <a:rPr lang="da-DK" sz="1100" dirty="0">
+              <a:rPr lang="da-DK" sz="1100" b="1" dirty="0">
                 <a:effectLst/>
                 <a:latin typeface="Calibri" panose="020F0502020204030204" pitchFamily="34" charset="0"/>
                 <a:ea typeface="Times New Roman" panose="02020603050405020304" pitchFamily="18" charset="0"/>
               </a:rPr>
               <a:t>Testbar</a:t>
             </a:r>
-            <a:endParaRPr lang="en-DK" sz="1100" dirty="0">
+            <a:endParaRPr lang="en-DK" sz="1100" b="1" dirty="0">
               <a:effectLst/>
               <a:latin typeface="Calibri" panose="020F0502020204030204" pitchFamily="34" charset="0"/>
               <a:ea typeface="Calibri" panose="020F0502020204030204" pitchFamily="34" charset="0"/>
@@ -18573,7 +18573,7 @@
               <a:buChar char="o"/>
             </a:pPr>
             <a:r>
-              <a:rPr lang="da-DK" sz="1100" dirty="0">
+              <a:rPr lang="da-DK" sz="1100" b="1" dirty="0">
                 <a:effectLst/>
                 <a:latin typeface="Calibri" panose="020F0502020204030204" pitchFamily="34" charset="0"/>
                 <a:ea typeface="Times New Roman" panose="02020603050405020304" pitchFamily="18" charset="0"/>
@@ -18587,7 +18587,7 @@
               <a:buChar char="o"/>
             </a:pPr>
             <a:r>
-              <a:rPr lang="da-DK" sz="1100" dirty="0">
+              <a:rPr lang="da-DK" sz="1100" b="1" dirty="0">
                 <a:latin typeface="Calibri" panose="020F0502020204030204" pitchFamily="34" charset="0"/>
                 <a:ea typeface="Calibri" panose="020F0502020204030204" pitchFamily="34" charset="0"/>
               </a:rPr>
@@ -18600,7 +18600,7 @@
               <a:buChar char="o"/>
             </a:pPr>
             <a:r>
-              <a:rPr lang="da-DK" sz="1100" dirty="0">
+              <a:rPr lang="da-DK" sz="1100" b="1" dirty="0">
                 <a:effectLst/>
                 <a:latin typeface="Calibri" panose="020F0502020204030204" pitchFamily="34" charset="0"/>
                 <a:ea typeface="Calibri" panose="020F0502020204030204" pitchFamily="34" charset="0"/>
@@ -18608,14 +18608,14 @@
               <a:t>Produkt </a:t>
             </a:r>
             <a:r>
-              <a:rPr lang="da-DK" sz="1100" dirty="0" err="1">
+              <a:rPr lang="da-DK" sz="1100" b="1" dirty="0" err="1">
                 <a:effectLst/>
                 <a:latin typeface="Calibri" panose="020F0502020204030204" pitchFamily="34" charset="0"/>
                 <a:ea typeface="Calibri" panose="020F0502020204030204" pitchFamily="34" charset="0"/>
               </a:rPr>
               <a:t>owner</a:t>
             </a:r>
-            <a:endParaRPr lang="en-DK" sz="1100" dirty="0">
+            <a:endParaRPr lang="en-DK" sz="1100" b="1" dirty="0">
               <a:effectLst/>
               <a:latin typeface="Calibri" panose="020F0502020204030204" pitchFamily="34" charset="0"/>
               <a:ea typeface="Calibri" panose="020F0502020204030204" pitchFamily="34" charset="0"/>
@@ -18736,176 +18736,176 @@
         <p:spPr/>
         <p:txBody>
           <a:bodyPr>
-            <a:normAutofit fontScale="40000" lnSpcReduction="20000"/>
+            <a:noAutofit/>
           </a:bodyPr>
           <a:lstStyle/>
           <a:p>
             <a:r>
-              <a:rPr lang="da-DK" dirty="0"/>
+              <a:rPr lang="da-DK" sz="800" b="1" dirty="0"/>
               <a:t>Definition</a:t>
             </a:r>
           </a:p>
           <a:p>
             <a:pPr lvl="1"/>
             <a:r>
-              <a:rPr lang="da-DK" dirty="0"/>
+              <a:rPr lang="da-DK" sz="800" b="1" dirty="0"/>
               <a:t>Indhold sendes som parameter</a:t>
             </a:r>
           </a:p>
           <a:p>
             <a:pPr lvl="1"/>
             <a:r>
-              <a:rPr lang="da-DK" dirty="0"/>
+              <a:rPr lang="da-DK" sz="800" b="1" dirty="0"/>
               <a:t>Data er aldrig globalt</a:t>
             </a:r>
           </a:p>
           <a:p>
             <a:pPr lvl="1"/>
             <a:r>
-              <a:rPr lang="da-DK" dirty="0"/>
+              <a:rPr lang="da-DK" sz="800" b="1" dirty="0"/>
               <a:t>Funktioner har ikke statisk data</a:t>
             </a:r>
           </a:p>
           <a:p>
             <a:pPr lvl="1"/>
             <a:r>
-              <a:rPr lang="da-DK" dirty="0"/>
+              <a:rPr lang="da-DK" sz="800" b="1" dirty="0"/>
               <a:t>Data følger </a:t>
             </a:r>
             <a:r>
-              <a:rPr lang="da-DK" dirty="0" err="1"/>
+              <a:rPr lang="da-DK" sz="800" b="1" dirty="0" err="1"/>
               <a:t>call</a:t>
             </a:r>
             <a:r>
-              <a:rPr lang="da-DK" dirty="0"/>
+              <a:rPr lang="da-DK" sz="800" b="1" dirty="0"/>
               <a:t> </a:t>
             </a:r>
             <a:r>
-              <a:rPr lang="da-DK" dirty="0" err="1"/>
+              <a:rPr lang="da-DK" sz="800" b="1" dirty="0" err="1"/>
               <a:t>path</a:t>
             </a:r>
-            <a:endParaRPr lang="da-DK" dirty="0"/>
-          </a:p>
-          <a:p>
-            <a:r>
-              <a:rPr lang="da-DK" dirty="0"/>
+            <a:endParaRPr lang="da-DK" sz="800" b="1" dirty="0"/>
+          </a:p>
+          <a:p>
+            <a:r>
+              <a:rPr lang="da-DK" sz="800" b="1" dirty="0"/>
               <a:t>Eksempler</a:t>
             </a:r>
           </a:p>
           <a:p>
             <a:pPr lvl="1"/>
             <a:r>
-              <a:rPr lang="da-DK" dirty="0"/>
+              <a:rPr lang="da-DK" sz="800" b="1" dirty="0"/>
               <a:t>Grupper data i </a:t>
             </a:r>
             <a:r>
-              <a:rPr lang="da-DK" dirty="0" err="1"/>
+              <a:rPr lang="da-DK" sz="800" b="1" dirty="0" err="1"/>
               <a:t>struct</a:t>
             </a:r>
             <a:r>
-              <a:rPr lang="da-DK" dirty="0"/>
+              <a:rPr lang="da-DK" sz="800" b="1" dirty="0"/>
               <a:t> for at sortere dem</a:t>
             </a:r>
           </a:p>
           <a:p>
             <a:pPr lvl="1"/>
             <a:r>
-              <a:rPr lang="da-DK" dirty="0"/>
+              <a:rPr lang="da-DK" sz="800" b="1" dirty="0"/>
               <a:t>Object pattern er den primær måde at </a:t>
             </a:r>
             <a:r>
-              <a:rPr lang="da-DK" dirty="0" err="1"/>
+              <a:rPr lang="da-DK" sz="800" b="1" dirty="0" err="1"/>
               <a:t>implemtere</a:t>
             </a:r>
             <a:r>
-              <a:rPr lang="da-DK" dirty="0"/>
+              <a:rPr lang="da-DK" sz="800" b="1" dirty="0"/>
               <a:t> singleton</a:t>
             </a:r>
           </a:p>
           <a:p>
             <a:pPr lvl="1"/>
             <a:r>
-              <a:rPr lang="da-DK" dirty="0"/>
+              <a:rPr lang="da-DK" sz="800" b="1" dirty="0"/>
               <a:t>Abstrakt interface</a:t>
             </a:r>
           </a:p>
           <a:p>
             <a:pPr lvl="1"/>
             <a:r>
-              <a:rPr lang="da-DK" dirty="0" err="1"/>
+              <a:rPr lang="da-DK" sz="800" b="1" dirty="0" err="1"/>
               <a:t>Multithread</a:t>
             </a:r>
             <a:r>
-              <a:rPr lang="da-DK" dirty="0"/>
+              <a:rPr lang="da-DK" sz="800" b="1" dirty="0"/>
               <a:t> design</a:t>
             </a:r>
           </a:p>
           <a:p>
             <a:pPr lvl="1"/>
             <a:r>
-              <a:rPr lang="da-DK" dirty="0"/>
+              <a:rPr lang="da-DK" sz="800" b="1" dirty="0"/>
               <a:t>Håndtere data i </a:t>
             </a:r>
             <a:r>
-              <a:rPr lang="da-DK" dirty="0" err="1"/>
+              <a:rPr lang="da-DK" sz="800" b="1" dirty="0" err="1"/>
               <a:t>opaque</a:t>
             </a:r>
             <a:r>
-              <a:rPr lang="da-DK" dirty="0"/>
+              <a:rPr lang="da-DK" sz="800" b="1" dirty="0"/>
               <a:t> pattern. </a:t>
             </a:r>
           </a:p>
           <a:p>
             <a:r>
-              <a:rPr lang="da-DK" dirty="0"/>
+              <a:rPr lang="da-DK" sz="800" b="1" dirty="0"/>
               <a:t>Fordele</a:t>
             </a:r>
           </a:p>
           <a:p>
             <a:pPr lvl="1"/>
             <a:r>
-              <a:rPr lang="da-DK" dirty="0"/>
+              <a:rPr lang="da-DK" sz="800" b="1" dirty="0"/>
               <a:t>Ren interface til data</a:t>
             </a:r>
           </a:p>
           <a:p>
             <a:pPr lvl="1"/>
             <a:r>
-              <a:rPr lang="da-DK" dirty="0"/>
+              <a:rPr lang="da-DK" sz="800" b="1" dirty="0"/>
               <a:t>Re-</a:t>
             </a:r>
             <a:r>
-              <a:rPr lang="da-DK" dirty="0" err="1"/>
+              <a:rPr lang="da-DK" sz="800" b="1" dirty="0" err="1"/>
               <a:t>entrant</a:t>
             </a:r>
-            <a:endParaRPr lang="da-DK" dirty="0"/>
+            <a:endParaRPr lang="da-DK" sz="800" b="1" dirty="0"/>
           </a:p>
           <a:p>
             <a:pPr lvl="1"/>
             <a:r>
-              <a:rPr lang="da-DK" dirty="0"/>
+              <a:rPr lang="da-DK" sz="800" b="1" dirty="0"/>
               <a:t>Nem </a:t>
             </a:r>
             <a:r>
-              <a:rPr lang="da-DK" dirty="0" err="1"/>
+              <a:rPr lang="da-DK" sz="800" b="1" dirty="0" err="1"/>
               <a:t>loack</a:t>
             </a:r>
             <a:r>
-              <a:rPr lang="da-DK" dirty="0"/>
+              <a:rPr lang="da-DK" sz="800" b="1" dirty="0"/>
               <a:t>, da det er nemt at overskue data</a:t>
             </a:r>
           </a:p>
           <a:p>
             <a:pPr lvl="1"/>
             <a:r>
-              <a:rPr lang="da-DK" dirty="0"/>
+              <a:rPr lang="da-DK" sz="800" b="1" dirty="0"/>
               <a:t>Nem test via isolation</a:t>
             </a:r>
           </a:p>
           <a:p>
             <a:pPr lvl="1"/>
             <a:r>
-              <a:rPr lang="da-DK" dirty="0"/>
+              <a:rPr lang="da-DK" sz="800" b="1" dirty="0"/>
               <a:t>Data ligger i kode og gør at man ikke utilsigtet tilgår den.</a:t>
             </a:r>
           </a:p>
@@ -18988,7 +18988,7 @@
         </p:nvSpPr>
         <p:spPr>
           <a:xfrm>
-            <a:off x="838200" y="1825625"/>
+            <a:off x="621632" y="2424000"/>
             <a:ext cx="4462083" cy="2010000"/>
           </a:xfrm>
         </p:spPr>
@@ -19249,7 +19249,7 @@
         </p:nvSpPr>
         <p:spPr>
           <a:xfrm>
-            <a:off x="5583506" y="1825625"/>
+            <a:off x="5447427" y="2424000"/>
             <a:ext cx="4903772" cy="1384995"/>
           </a:xfrm>
           <a:prstGeom prst="rect">

--- a/Embedded C Programming Design Patterns.pptx
+++ b/Embedded C Programming Design Patterns.pptx
@@ -4,6 +4,9 @@
   <p:sldMasterIdLst>
     <p:sldMasterId id="2147483719" r:id="rId1"/>
   </p:sldMasterIdLst>
+  <p:notesMasterIdLst>
+    <p:notesMasterId r:id="rId26"/>
+  </p:notesMasterIdLst>
   <p:sldIdLst>
     <p:sldId id="256" r:id="rId2"/>
     <p:sldId id="258" r:id="rId3"/>
@@ -133,6 +136,766 @@
     </p:ext>
   </p:extLst>
 </p:presentation>
+</file>
+
+<file path=ppt/notesMasters/notesMaster1.xml><?xml version="1.0" encoding="utf-8"?>
+<p:notesMaster xmlns:a="http://schemas.openxmlformats.org/drawingml/2006/main" xmlns:r="http://schemas.openxmlformats.org/officeDocument/2006/relationships" xmlns:p="http://schemas.openxmlformats.org/presentationml/2006/main">
+  <p:cSld>
+    <p:bg>
+      <p:bgRef idx="1001">
+        <a:schemeClr val="bg1"/>
+      </p:bgRef>
+    </p:bg>
+    <p:spTree>
+      <p:nvGrpSpPr>
+        <p:cNvPr id="1" name=""/>
+        <p:cNvGrpSpPr/>
+        <p:nvPr/>
+      </p:nvGrpSpPr>
+      <p:grpSpPr>
+        <a:xfrm>
+          <a:off x="0" y="0"/>
+          <a:ext cx="0" cy="0"/>
+          <a:chOff x="0" y="0"/>
+          <a:chExt cx="0" cy="0"/>
+        </a:xfrm>
+      </p:grpSpPr>
+      <p:sp>
+        <p:nvSpPr>
+          <p:cNvPr id="2" name="Pladsholder til sidehoved 1"/>
+          <p:cNvSpPr>
+            <a:spLocks noGrp="1"/>
+          </p:cNvSpPr>
+          <p:nvPr>
+            <p:ph type="hdr" sz="quarter"/>
+          </p:nvPr>
+        </p:nvSpPr>
+        <p:spPr>
+          <a:xfrm>
+            <a:off x="0" y="0"/>
+            <a:ext cx="2971800" cy="458788"/>
+          </a:xfrm>
+          <a:prstGeom prst="rect">
+            <a:avLst/>
+          </a:prstGeom>
+        </p:spPr>
+        <p:txBody>
+          <a:bodyPr vert="horz" lIns="91440" tIns="45720" rIns="91440" bIns="45720" rtlCol="0"/>
+          <a:lstStyle>
+            <a:lvl1pPr algn="l">
+              <a:defRPr sz="1200"/>
+            </a:lvl1pPr>
+          </a:lstStyle>
+          <a:p>
+            <a:endParaRPr lang="da-DK"/>
+          </a:p>
+        </p:txBody>
+      </p:sp>
+      <p:sp>
+        <p:nvSpPr>
+          <p:cNvPr id="3" name="Pladsholder til dato 2"/>
+          <p:cNvSpPr>
+            <a:spLocks noGrp="1"/>
+          </p:cNvSpPr>
+          <p:nvPr>
+            <p:ph type="dt" idx="1"/>
+          </p:nvPr>
+        </p:nvSpPr>
+        <p:spPr>
+          <a:xfrm>
+            <a:off x="3884613" y="0"/>
+            <a:ext cx="2971800" cy="458788"/>
+          </a:xfrm>
+          <a:prstGeom prst="rect">
+            <a:avLst/>
+          </a:prstGeom>
+        </p:spPr>
+        <p:txBody>
+          <a:bodyPr vert="horz" lIns="91440" tIns="45720" rIns="91440" bIns="45720" rtlCol="0"/>
+          <a:lstStyle>
+            <a:lvl1pPr algn="r">
+              <a:defRPr sz="1200"/>
+            </a:lvl1pPr>
+          </a:lstStyle>
+          <a:p>
+            <a:fld id="{981D1CF6-4EAE-4B4C-B859-A88F09A29745}" type="datetimeFigureOut">
+              <a:rPr lang="da-DK" smtClean="0"/>
+              <a:t>22-02-2024</a:t>
+            </a:fld>
+            <a:endParaRPr lang="da-DK"/>
+          </a:p>
+        </p:txBody>
+      </p:sp>
+      <p:sp>
+        <p:nvSpPr>
+          <p:cNvPr id="4" name="Pladsholder til slidebillede 3"/>
+          <p:cNvSpPr>
+            <a:spLocks noGrp="1" noRot="1" noChangeAspect="1"/>
+          </p:cNvSpPr>
+          <p:nvPr>
+            <p:ph type="sldImg" idx="2"/>
+          </p:nvPr>
+        </p:nvSpPr>
+        <p:spPr>
+          <a:xfrm>
+            <a:off x="685800" y="1143000"/>
+            <a:ext cx="5486400" cy="3086100"/>
+          </a:xfrm>
+          <a:prstGeom prst="rect">
+            <a:avLst/>
+          </a:prstGeom>
+          <a:noFill/>
+          <a:ln w="12700">
+            <a:solidFill>
+              <a:prstClr val="black"/>
+            </a:solidFill>
+          </a:ln>
+        </p:spPr>
+        <p:txBody>
+          <a:bodyPr vert="horz" lIns="91440" tIns="45720" rIns="91440" bIns="45720" rtlCol="0" anchor="ctr"/>
+          <a:lstStyle/>
+          <a:p>
+            <a:endParaRPr lang="da-DK"/>
+          </a:p>
+        </p:txBody>
+      </p:sp>
+      <p:sp>
+        <p:nvSpPr>
+          <p:cNvPr id="5" name="Pladsholder til noter 4"/>
+          <p:cNvSpPr>
+            <a:spLocks noGrp="1"/>
+          </p:cNvSpPr>
+          <p:nvPr>
+            <p:ph type="body" sz="quarter" idx="3"/>
+          </p:nvPr>
+        </p:nvSpPr>
+        <p:spPr>
+          <a:xfrm>
+            <a:off x="685800" y="4400550"/>
+            <a:ext cx="5486400" cy="3600450"/>
+          </a:xfrm>
+          <a:prstGeom prst="rect">
+            <a:avLst/>
+          </a:prstGeom>
+        </p:spPr>
+        <p:txBody>
+          <a:bodyPr vert="horz" lIns="91440" tIns="45720" rIns="91440" bIns="45720" rtlCol="0"/>
+          <a:lstStyle/>
+          <a:p>
+            <a:pPr lvl="0"/>
+            <a:r>
+              <a:rPr lang="da-DK"/>
+              <a:t>Klik for at redigere teksttypografierne i masteren</a:t>
+            </a:r>
+          </a:p>
+          <a:p>
+            <a:pPr lvl="1"/>
+            <a:r>
+              <a:rPr lang="da-DK"/>
+              <a:t>Andet niveau</a:t>
+            </a:r>
+          </a:p>
+          <a:p>
+            <a:pPr lvl="2"/>
+            <a:r>
+              <a:rPr lang="da-DK"/>
+              <a:t>Tredje niveau</a:t>
+            </a:r>
+          </a:p>
+          <a:p>
+            <a:pPr lvl="3"/>
+            <a:r>
+              <a:rPr lang="da-DK"/>
+              <a:t>Fjerde niveau</a:t>
+            </a:r>
+          </a:p>
+          <a:p>
+            <a:pPr lvl="4"/>
+            <a:r>
+              <a:rPr lang="da-DK"/>
+              <a:t>Femte niveau</a:t>
+            </a:r>
+          </a:p>
+        </p:txBody>
+      </p:sp>
+      <p:sp>
+        <p:nvSpPr>
+          <p:cNvPr id="6" name="Pladsholder til sidefod 5"/>
+          <p:cNvSpPr>
+            <a:spLocks noGrp="1"/>
+          </p:cNvSpPr>
+          <p:nvPr>
+            <p:ph type="ftr" sz="quarter" idx="4"/>
+          </p:nvPr>
+        </p:nvSpPr>
+        <p:spPr>
+          <a:xfrm>
+            <a:off x="0" y="8685213"/>
+            <a:ext cx="2971800" cy="458787"/>
+          </a:xfrm>
+          <a:prstGeom prst="rect">
+            <a:avLst/>
+          </a:prstGeom>
+        </p:spPr>
+        <p:txBody>
+          <a:bodyPr vert="horz" lIns="91440" tIns="45720" rIns="91440" bIns="45720" rtlCol="0" anchor="b"/>
+          <a:lstStyle>
+            <a:lvl1pPr algn="l">
+              <a:defRPr sz="1200"/>
+            </a:lvl1pPr>
+          </a:lstStyle>
+          <a:p>
+            <a:endParaRPr lang="da-DK"/>
+          </a:p>
+        </p:txBody>
+      </p:sp>
+      <p:sp>
+        <p:nvSpPr>
+          <p:cNvPr id="7" name="Pladsholder til slidenummer 6"/>
+          <p:cNvSpPr>
+            <a:spLocks noGrp="1"/>
+          </p:cNvSpPr>
+          <p:nvPr>
+            <p:ph type="sldNum" sz="quarter" idx="5"/>
+          </p:nvPr>
+        </p:nvSpPr>
+        <p:spPr>
+          <a:xfrm>
+            <a:off x="3884613" y="8685213"/>
+            <a:ext cx="2971800" cy="458787"/>
+          </a:xfrm>
+          <a:prstGeom prst="rect">
+            <a:avLst/>
+          </a:prstGeom>
+        </p:spPr>
+        <p:txBody>
+          <a:bodyPr vert="horz" lIns="91440" tIns="45720" rIns="91440" bIns="45720" rtlCol="0" anchor="b"/>
+          <a:lstStyle>
+            <a:lvl1pPr algn="r">
+              <a:defRPr sz="1200"/>
+            </a:lvl1pPr>
+          </a:lstStyle>
+          <a:p>
+            <a:fld id="{6167FD1A-B837-43AD-874C-AEA416430BAD}" type="slidenum">
+              <a:rPr lang="da-DK" smtClean="0"/>
+              <a:t>‹nr.›</a:t>
+            </a:fld>
+            <a:endParaRPr lang="da-DK"/>
+          </a:p>
+        </p:txBody>
+      </p:sp>
+    </p:spTree>
+    <p:extLst>
+      <p:ext uri="{BB962C8B-B14F-4D97-AF65-F5344CB8AC3E}">
+        <p14:creationId xmlns:p14="http://schemas.microsoft.com/office/powerpoint/2010/main" val="3635330327"/>
+      </p:ext>
+    </p:extLst>
+  </p:cSld>
+  <p:clrMap bg1="lt1" tx1="dk1" bg2="lt2" tx2="dk2" accent1="accent1" accent2="accent2" accent3="accent3" accent4="accent4" accent5="accent5" accent6="accent6" hlink="hlink" folHlink="folHlink"/>
+  <p:notesStyle>
+    <a:lvl1pPr marL="0" algn="l" defTabSz="914400" rtl="0" eaLnBrk="1" latinLnBrk="0" hangingPunct="1">
+      <a:defRPr sz="1200" kern="1200">
+        <a:solidFill>
+          <a:schemeClr val="tx1"/>
+        </a:solidFill>
+        <a:latin typeface="+mn-lt"/>
+        <a:ea typeface="+mn-ea"/>
+        <a:cs typeface="+mn-cs"/>
+      </a:defRPr>
+    </a:lvl1pPr>
+    <a:lvl2pPr marL="457200" algn="l" defTabSz="914400" rtl="0" eaLnBrk="1" latinLnBrk="0" hangingPunct="1">
+      <a:defRPr sz="1200" kern="1200">
+        <a:solidFill>
+          <a:schemeClr val="tx1"/>
+        </a:solidFill>
+        <a:latin typeface="+mn-lt"/>
+        <a:ea typeface="+mn-ea"/>
+        <a:cs typeface="+mn-cs"/>
+      </a:defRPr>
+    </a:lvl2pPr>
+    <a:lvl3pPr marL="914400" algn="l" defTabSz="914400" rtl="0" eaLnBrk="1" latinLnBrk="0" hangingPunct="1">
+      <a:defRPr sz="1200" kern="1200">
+        <a:solidFill>
+          <a:schemeClr val="tx1"/>
+        </a:solidFill>
+        <a:latin typeface="+mn-lt"/>
+        <a:ea typeface="+mn-ea"/>
+        <a:cs typeface="+mn-cs"/>
+      </a:defRPr>
+    </a:lvl3pPr>
+    <a:lvl4pPr marL="1371600" algn="l" defTabSz="914400" rtl="0" eaLnBrk="1" latinLnBrk="0" hangingPunct="1">
+      <a:defRPr sz="1200" kern="1200">
+        <a:solidFill>
+          <a:schemeClr val="tx1"/>
+        </a:solidFill>
+        <a:latin typeface="+mn-lt"/>
+        <a:ea typeface="+mn-ea"/>
+        <a:cs typeface="+mn-cs"/>
+      </a:defRPr>
+    </a:lvl4pPr>
+    <a:lvl5pPr marL="1828800" algn="l" defTabSz="914400" rtl="0" eaLnBrk="1" latinLnBrk="0" hangingPunct="1">
+      <a:defRPr sz="1200" kern="1200">
+        <a:solidFill>
+          <a:schemeClr val="tx1"/>
+        </a:solidFill>
+        <a:latin typeface="+mn-lt"/>
+        <a:ea typeface="+mn-ea"/>
+        <a:cs typeface="+mn-cs"/>
+      </a:defRPr>
+    </a:lvl5pPr>
+    <a:lvl6pPr marL="2286000" algn="l" defTabSz="914400" rtl="0" eaLnBrk="1" latinLnBrk="0" hangingPunct="1">
+      <a:defRPr sz="1200" kern="1200">
+        <a:solidFill>
+          <a:schemeClr val="tx1"/>
+        </a:solidFill>
+        <a:latin typeface="+mn-lt"/>
+        <a:ea typeface="+mn-ea"/>
+        <a:cs typeface="+mn-cs"/>
+      </a:defRPr>
+    </a:lvl6pPr>
+    <a:lvl7pPr marL="2743200" algn="l" defTabSz="914400" rtl="0" eaLnBrk="1" latinLnBrk="0" hangingPunct="1">
+      <a:defRPr sz="1200" kern="1200">
+        <a:solidFill>
+          <a:schemeClr val="tx1"/>
+        </a:solidFill>
+        <a:latin typeface="+mn-lt"/>
+        <a:ea typeface="+mn-ea"/>
+        <a:cs typeface="+mn-cs"/>
+      </a:defRPr>
+    </a:lvl7pPr>
+    <a:lvl8pPr marL="3200400" algn="l" defTabSz="914400" rtl="0" eaLnBrk="1" latinLnBrk="0" hangingPunct="1">
+      <a:defRPr sz="1200" kern="1200">
+        <a:solidFill>
+          <a:schemeClr val="tx1"/>
+        </a:solidFill>
+        <a:latin typeface="+mn-lt"/>
+        <a:ea typeface="+mn-ea"/>
+        <a:cs typeface="+mn-cs"/>
+      </a:defRPr>
+    </a:lvl8pPr>
+    <a:lvl9pPr marL="3657600" algn="l" defTabSz="914400" rtl="0" eaLnBrk="1" latinLnBrk="0" hangingPunct="1">
+      <a:defRPr sz="1200" kern="1200">
+        <a:solidFill>
+          <a:schemeClr val="tx1"/>
+        </a:solidFill>
+        <a:latin typeface="+mn-lt"/>
+        <a:ea typeface="+mn-ea"/>
+        <a:cs typeface="+mn-cs"/>
+      </a:defRPr>
+    </a:lvl9pPr>
+  </p:notesStyle>
+</p:notesMaster>
+</file>
+
+<file path=ppt/notesSlides/notesSlide1.xml><?xml version="1.0" encoding="utf-8"?>
+<p:notes xmlns:a="http://schemas.openxmlformats.org/drawingml/2006/main" xmlns:r="http://schemas.openxmlformats.org/officeDocument/2006/relationships" xmlns:p="http://schemas.openxmlformats.org/presentationml/2006/main">
+  <p:cSld>
+    <p:spTree>
+      <p:nvGrpSpPr>
+        <p:cNvPr id="1" name=""/>
+        <p:cNvGrpSpPr/>
+        <p:nvPr/>
+      </p:nvGrpSpPr>
+      <p:grpSpPr>
+        <a:xfrm>
+          <a:off x="0" y="0"/>
+          <a:ext cx="0" cy="0"/>
+          <a:chOff x="0" y="0"/>
+          <a:chExt cx="0" cy="0"/>
+        </a:xfrm>
+      </p:grpSpPr>
+      <p:sp>
+        <p:nvSpPr>
+          <p:cNvPr id="2" name="Pladsholder til slidebillede 1"/>
+          <p:cNvSpPr>
+            <a:spLocks noGrp="1" noRot="1" noChangeAspect="1"/>
+          </p:cNvSpPr>
+          <p:nvPr>
+            <p:ph type="sldImg"/>
+          </p:nvPr>
+        </p:nvSpPr>
+        <p:spPr/>
+      </p:sp>
+      <p:sp>
+        <p:nvSpPr>
+          <p:cNvPr id="3" name="Pladsholder til noter 2"/>
+          <p:cNvSpPr>
+            <a:spLocks noGrp="1"/>
+          </p:cNvSpPr>
+          <p:nvPr>
+            <p:ph type="body" idx="1"/>
+          </p:nvPr>
+        </p:nvSpPr>
+        <p:spPr/>
+        <p:txBody>
+          <a:bodyPr/>
+          <a:lstStyle/>
+          <a:p>
+            <a:r>
+              <a:rPr lang="da-DK" dirty="0"/>
+              <a:t>Gennemgang af mål og hvorfor</a:t>
+            </a:r>
+          </a:p>
+          <a:p>
+            <a:endParaRPr lang="da-DK" dirty="0"/>
+          </a:p>
+          <a:p>
+            <a:r>
+              <a:rPr lang="da-DK" dirty="0"/>
+              <a:t>Design pattern er ikke løsningen på alt.</a:t>
+            </a:r>
+          </a:p>
+          <a:p>
+            <a:endParaRPr lang="da-DK" dirty="0"/>
+          </a:p>
+          <a:p>
+            <a:pPr marL="171450" indent="-171450">
+              <a:buFont typeface="Arial" panose="020B0604020202020204" pitchFamily="34" charset="0"/>
+              <a:buChar char="•"/>
+            </a:pPr>
+            <a:r>
+              <a:rPr lang="da-DK" dirty="0" err="1"/>
+              <a:t>Depandency</a:t>
+            </a:r>
+            <a:endParaRPr lang="da-DK" dirty="0"/>
+          </a:p>
+          <a:p>
+            <a:pPr marL="171450" indent="-171450">
+              <a:buFont typeface="Arial" panose="020B0604020202020204" pitchFamily="34" charset="0"/>
+              <a:buChar char="•"/>
+            </a:pPr>
+            <a:r>
+              <a:rPr lang="da-DK" dirty="0"/>
+              <a:t>Test</a:t>
+            </a:r>
+          </a:p>
+          <a:p>
+            <a:pPr marL="171450" indent="-171450">
+              <a:buFont typeface="Arial" panose="020B0604020202020204" pitchFamily="34" charset="0"/>
+              <a:buChar char="•"/>
+            </a:pPr>
+            <a:r>
+              <a:rPr lang="da-DK" dirty="0"/>
+              <a:t>Genkendelighed</a:t>
+            </a:r>
+          </a:p>
+          <a:p>
+            <a:pPr marL="171450" indent="-171450">
+              <a:buFont typeface="Arial" panose="020B0604020202020204" pitchFamily="34" charset="0"/>
+              <a:buChar char="•"/>
+            </a:pPr>
+            <a:endParaRPr lang="da-DK" dirty="0"/>
+          </a:p>
+          <a:p>
+            <a:pPr marL="0" indent="0">
+              <a:buFont typeface="Arial" panose="020B0604020202020204" pitchFamily="34" charset="0"/>
+              <a:buNone/>
+            </a:pPr>
+            <a:r>
+              <a:rPr lang="da-DK" dirty="0"/>
+              <a:t>Min tilgang til det</a:t>
+            </a:r>
+          </a:p>
+          <a:p>
+            <a:endParaRPr lang="da-DK" dirty="0"/>
+          </a:p>
+        </p:txBody>
+      </p:sp>
+      <p:sp>
+        <p:nvSpPr>
+          <p:cNvPr id="4" name="Pladsholder til slidenummer 3"/>
+          <p:cNvSpPr>
+            <a:spLocks noGrp="1"/>
+          </p:cNvSpPr>
+          <p:nvPr>
+            <p:ph type="sldNum" sz="quarter" idx="5"/>
+          </p:nvPr>
+        </p:nvSpPr>
+        <p:spPr/>
+        <p:txBody>
+          <a:bodyPr/>
+          <a:lstStyle/>
+          <a:p>
+            <a:fld id="{6167FD1A-B837-43AD-874C-AEA416430BAD}" type="slidenum">
+              <a:rPr lang="da-DK" smtClean="0"/>
+              <a:t>3</a:t>
+            </a:fld>
+            <a:endParaRPr lang="da-DK"/>
+          </a:p>
+        </p:txBody>
+      </p:sp>
+    </p:spTree>
+    <p:extLst>
+      <p:ext uri="{BB962C8B-B14F-4D97-AF65-F5344CB8AC3E}">
+        <p14:creationId xmlns:p14="http://schemas.microsoft.com/office/powerpoint/2010/main" val="2715653017"/>
+      </p:ext>
+    </p:extLst>
+  </p:cSld>
+  <p:clrMapOvr>
+    <a:masterClrMapping/>
+  </p:clrMapOvr>
+</p:notes>
+</file>
+
+<file path=ppt/notesSlides/notesSlide2.xml><?xml version="1.0" encoding="utf-8"?>
+<p:notes xmlns:a="http://schemas.openxmlformats.org/drawingml/2006/main" xmlns:r="http://schemas.openxmlformats.org/officeDocument/2006/relationships" xmlns:p="http://schemas.openxmlformats.org/presentationml/2006/main">
+  <p:cSld>
+    <p:spTree>
+      <p:nvGrpSpPr>
+        <p:cNvPr id="1" name=""/>
+        <p:cNvGrpSpPr/>
+        <p:nvPr/>
+      </p:nvGrpSpPr>
+      <p:grpSpPr>
+        <a:xfrm>
+          <a:off x="0" y="0"/>
+          <a:ext cx="0" cy="0"/>
+          <a:chOff x="0" y="0"/>
+          <a:chExt cx="0" cy="0"/>
+        </a:xfrm>
+      </p:grpSpPr>
+      <p:sp>
+        <p:nvSpPr>
+          <p:cNvPr id="2" name="Pladsholder til slidebillede 1"/>
+          <p:cNvSpPr>
+            <a:spLocks noGrp="1" noRot="1" noChangeAspect="1"/>
+          </p:cNvSpPr>
+          <p:nvPr>
+            <p:ph type="sldImg"/>
+          </p:nvPr>
+        </p:nvSpPr>
+        <p:spPr/>
+      </p:sp>
+      <p:sp>
+        <p:nvSpPr>
+          <p:cNvPr id="3" name="Pladsholder til noter 2"/>
+          <p:cNvSpPr>
+            <a:spLocks noGrp="1"/>
+          </p:cNvSpPr>
+          <p:nvPr>
+            <p:ph type="body" idx="1"/>
+          </p:nvPr>
+        </p:nvSpPr>
+        <p:spPr/>
+        <p:txBody>
+          <a:bodyPr/>
+          <a:lstStyle/>
+          <a:p>
+            <a:r>
+              <a:rPr lang="da-DK" dirty="0"/>
+              <a:t>Gruppe data</a:t>
+            </a:r>
+          </a:p>
+          <a:p>
+            <a:endParaRPr lang="da-DK" dirty="0"/>
+          </a:p>
+          <a:p>
+            <a:r>
+              <a:rPr lang="da-DK" dirty="0"/>
+              <a:t>Singletons</a:t>
+            </a:r>
+          </a:p>
+          <a:p>
+            <a:endParaRPr lang="da-DK" dirty="0"/>
+          </a:p>
+          <a:p>
+            <a:r>
+              <a:rPr lang="da-DK" dirty="0"/>
+              <a:t>Abstrakt interface svært uden af bruge </a:t>
+            </a:r>
+            <a:r>
+              <a:rPr lang="da-DK" dirty="0" err="1"/>
+              <a:t>obejct</a:t>
+            </a:r>
+            <a:r>
+              <a:rPr lang="da-DK" dirty="0"/>
+              <a:t> pattern. Start med </a:t>
+            </a:r>
+          </a:p>
+          <a:p>
+            <a:endParaRPr lang="da-DK" dirty="0"/>
+          </a:p>
+          <a:p>
+            <a:r>
+              <a:rPr lang="da-DK" dirty="0" err="1"/>
+              <a:t>Multithread</a:t>
+            </a:r>
+            <a:r>
+              <a:rPr lang="da-DK" dirty="0"/>
+              <a:t> alle data der ikke er i </a:t>
+            </a:r>
+            <a:r>
+              <a:rPr lang="da-DK" dirty="0" err="1"/>
+              <a:t>self</a:t>
+            </a:r>
+            <a:r>
+              <a:rPr lang="da-DK" dirty="0"/>
+              <a:t>, skal ikke </a:t>
+            </a:r>
+            <a:r>
+              <a:rPr lang="da-DK" dirty="0" err="1"/>
+              <a:t>lock’ske</a:t>
+            </a:r>
+            <a:r>
+              <a:rPr lang="da-DK" dirty="0"/>
+              <a:t>, da de bliver </a:t>
+            </a:r>
+            <a:r>
+              <a:rPr lang="da-DK" dirty="0" err="1"/>
+              <a:t>init</a:t>
+            </a:r>
+            <a:r>
+              <a:rPr lang="da-DK" dirty="0"/>
+              <a:t> hver gang. Hvilket gør det hele nemmere</a:t>
+            </a:r>
+          </a:p>
+          <a:p>
+            <a:endParaRPr lang="da-DK" dirty="0"/>
+          </a:p>
+          <a:p>
+            <a:r>
+              <a:rPr lang="da-DK" dirty="0" err="1"/>
+              <a:t>Opaque</a:t>
+            </a:r>
+            <a:r>
+              <a:rPr lang="da-DK" dirty="0"/>
+              <a:t> pattern en privat udgave af </a:t>
+            </a:r>
+            <a:r>
+              <a:rPr lang="da-DK" dirty="0" err="1"/>
+              <a:t>object</a:t>
+            </a:r>
+            <a:r>
+              <a:rPr lang="da-DK" dirty="0"/>
+              <a:t>.</a:t>
+            </a:r>
+          </a:p>
+          <a:p>
+            <a:endParaRPr lang="da-DK" dirty="0"/>
+          </a:p>
+          <a:p>
+            <a:endParaRPr lang="da-DK" dirty="0"/>
+          </a:p>
+        </p:txBody>
+      </p:sp>
+      <p:sp>
+        <p:nvSpPr>
+          <p:cNvPr id="4" name="Pladsholder til slidenummer 3"/>
+          <p:cNvSpPr>
+            <a:spLocks noGrp="1"/>
+          </p:cNvSpPr>
+          <p:nvPr>
+            <p:ph type="sldNum" sz="quarter" idx="5"/>
+          </p:nvPr>
+        </p:nvSpPr>
+        <p:spPr/>
+        <p:txBody>
+          <a:bodyPr/>
+          <a:lstStyle/>
+          <a:p>
+            <a:fld id="{6167FD1A-B837-43AD-874C-AEA416430BAD}" type="slidenum">
+              <a:rPr lang="da-DK" smtClean="0"/>
+              <a:t>4</a:t>
+            </a:fld>
+            <a:endParaRPr lang="da-DK"/>
+          </a:p>
+        </p:txBody>
+      </p:sp>
+    </p:spTree>
+    <p:extLst>
+      <p:ext uri="{BB962C8B-B14F-4D97-AF65-F5344CB8AC3E}">
+        <p14:creationId xmlns:p14="http://schemas.microsoft.com/office/powerpoint/2010/main" val="194668014"/>
+      </p:ext>
+    </p:extLst>
+  </p:cSld>
+  <p:clrMapOvr>
+    <a:masterClrMapping/>
+  </p:clrMapOvr>
+</p:notes>
+</file>
+
+<file path=ppt/notesSlides/notesSlide3.xml><?xml version="1.0" encoding="utf-8"?>
+<p:notes xmlns:a="http://schemas.openxmlformats.org/drawingml/2006/main" xmlns:r="http://schemas.openxmlformats.org/officeDocument/2006/relationships" xmlns:p="http://schemas.openxmlformats.org/presentationml/2006/main">
+  <p:cSld>
+    <p:spTree>
+      <p:nvGrpSpPr>
+        <p:cNvPr id="1" name=""/>
+        <p:cNvGrpSpPr/>
+        <p:nvPr/>
+      </p:nvGrpSpPr>
+      <p:grpSpPr>
+        <a:xfrm>
+          <a:off x="0" y="0"/>
+          <a:ext cx="0" cy="0"/>
+          <a:chOff x="0" y="0"/>
+          <a:chExt cx="0" cy="0"/>
+        </a:xfrm>
+      </p:grpSpPr>
+      <p:sp>
+        <p:nvSpPr>
+          <p:cNvPr id="2" name="Pladsholder til slidebillede 1"/>
+          <p:cNvSpPr>
+            <a:spLocks noGrp="1" noRot="1" noChangeAspect="1"/>
+          </p:cNvSpPr>
+          <p:nvPr>
+            <p:ph type="sldImg"/>
+          </p:nvPr>
+        </p:nvSpPr>
+        <p:spPr/>
+      </p:sp>
+      <p:sp>
+        <p:nvSpPr>
+          <p:cNvPr id="3" name="Pladsholder til noter 2"/>
+          <p:cNvSpPr>
+            <a:spLocks noGrp="1"/>
+          </p:cNvSpPr>
+          <p:nvPr>
+            <p:ph type="body" idx="1"/>
+          </p:nvPr>
+        </p:nvSpPr>
+        <p:spPr/>
+        <p:txBody>
+          <a:bodyPr/>
+          <a:lstStyle/>
+          <a:p>
+            <a:endParaRPr lang="da-DK" dirty="0"/>
+          </a:p>
+        </p:txBody>
+      </p:sp>
+      <p:sp>
+        <p:nvSpPr>
+          <p:cNvPr id="4" name="Pladsholder til slidenummer 3"/>
+          <p:cNvSpPr>
+            <a:spLocks noGrp="1"/>
+          </p:cNvSpPr>
+          <p:nvPr>
+            <p:ph type="sldNum" sz="quarter" idx="5"/>
+          </p:nvPr>
+        </p:nvSpPr>
+        <p:spPr/>
+        <p:txBody>
+          <a:bodyPr/>
+          <a:lstStyle/>
+          <a:p>
+            <a:fld id="{6167FD1A-B837-43AD-874C-AEA416430BAD}" type="slidenum">
+              <a:rPr lang="da-DK" smtClean="0"/>
+              <a:t>5</a:t>
+            </a:fld>
+            <a:endParaRPr lang="da-DK"/>
+          </a:p>
+        </p:txBody>
+      </p:sp>
+    </p:spTree>
+    <p:extLst>
+      <p:ext uri="{BB962C8B-B14F-4D97-AF65-F5344CB8AC3E}">
+        <p14:creationId xmlns:p14="http://schemas.microsoft.com/office/powerpoint/2010/main" val="2170525217"/>
+      </p:ext>
+    </p:extLst>
+  </p:cSld>
+  <p:clrMapOvr>
+    <a:masterClrMapping/>
+  </p:clrMapOvr>
+</p:notes>
 </file>
 
 <file path=ppt/slideLayouts/slideLayout1.xml><?xml version="1.0" encoding="utf-8"?>
@@ -781,7 +1544,7 @@
           <a:p>
             <a:fld id="{FC6A8477-28DE-4BB0-B44B-4F06232BECEB}" type="datetimeFigureOut">
               <a:rPr lang="da-DK" smtClean="0"/>
-              <a:t>21-02-2024</a:t>
+              <a:t>22-02-2024</a:t>
             </a:fld>
             <a:endParaRPr lang="da-DK"/>
           </a:p>
@@ -1901,7 +2664,7 @@
           <a:p>
             <a:fld id="{FC6A8477-28DE-4BB0-B44B-4F06232BECEB}" type="datetimeFigureOut">
               <a:rPr lang="da-DK" smtClean="0"/>
-              <a:t>21-02-2024</a:t>
+              <a:t>22-02-2024</a:t>
             </a:fld>
             <a:endParaRPr lang="da-DK"/>
           </a:p>
@@ -2912,7 +3675,7 @@
           <a:p>
             <a:fld id="{FC6A8477-28DE-4BB0-B44B-4F06232BECEB}" type="datetimeFigureOut">
               <a:rPr lang="da-DK" smtClean="0"/>
-              <a:t>21-02-2024</a:t>
+              <a:t>22-02-2024</a:t>
             </a:fld>
             <a:endParaRPr lang="da-DK"/>
           </a:p>
@@ -4082,7 +4845,7 @@
           <a:p>
             <a:fld id="{FC6A8477-28DE-4BB0-B44B-4F06232BECEB}" type="datetimeFigureOut">
               <a:rPr lang="da-DK" smtClean="0"/>
-              <a:t>21-02-2024</a:t>
+              <a:t>22-02-2024</a:t>
             </a:fld>
             <a:endParaRPr lang="da-DK"/>
           </a:p>
@@ -5143,7 +5906,7 @@
           <a:p>
             <a:fld id="{FC6A8477-28DE-4BB0-B44B-4F06232BECEB}" type="datetimeFigureOut">
               <a:rPr lang="da-DK" smtClean="0"/>
-              <a:t>21-02-2024</a:t>
+              <a:t>22-02-2024</a:t>
             </a:fld>
             <a:endParaRPr lang="da-DK"/>
           </a:p>
@@ -5789,7 +6552,7 @@
           <a:p>
             <a:fld id="{FC6A8477-28DE-4BB0-B44B-4F06232BECEB}" type="datetimeFigureOut">
               <a:rPr lang="da-DK" smtClean="0"/>
-              <a:t>21-02-2024</a:t>
+              <a:t>22-02-2024</a:t>
             </a:fld>
             <a:endParaRPr lang="da-DK"/>
           </a:p>
@@ -6636,7 +7399,7 @@
           <a:p>
             <a:fld id="{FC6A8477-28DE-4BB0-B44B-4F06232BECEB}" type="datetimeFigureOut">
               <a:rPr lang="da-DK" smtClean="0"/>
-              <a:t>21-02-2024</a:t>
+              <a:t>22-02-2024</a:t>
             </a:fld>
             <a:endParaRPr lang="da-DK"/>
           </a:p>
@@ -6811,7 +7574,7 @@
           <a:p>
             <a:fld id="{FC6A8477-28DE-4BB0-B44B-4F06232BECEB}" type="datetimeFigureOut">
               <a:rPr lang="da-DK" smtClean="0"/>
-              <a:t>21-02-2024</a:t>
+              <a:t>22-02-2024</a:t>
             </a:fld>
             <a:endParaRPr lang="da-DK"/>
           </a:p>
@@ -7809,7 +8572,7 @@
           <a:p>
             <a:fld id="{FC6A8477-28DE-4BB0-B44B-4F06232BECEB}" type="datetimeFigureOut">
               <a:rPr lang="da-DK" smtClean="0"/>
-              <a:t>21-02-2024</a:t>
+              <a:t>22-02-2024</a:t>
             </a:fld>
             <a:endParaRPr lang="da-DK"/>
           </a:p>
@@ -8015,7 +8778,7 @@
           <a:p>
             <a:fld id="{FC6A8477-28DE-4BB0-B44B-4F06232BECEB}" type="datetimeFigureOut">
               <a:rPr lang="da-DK" smtClean="0"/>
-              <a:t>21-02-2024</a:t>
+              <a:t>22-02-2024</a:t>
             </a:fld>
             <a:endParaRPr lang="da-DK"/>
           </a:p>
@@ -9077,7 +9840,7 @@
           <a:p>
             <a:fld id="{FC6A8477-28DE-4BB0-B44B-4F06232BECEB}" type="datetimeFigureOut">
               <a:rPr lang="da-DK" smtClean="0"/>
-              <a:t>21-02-2024</a:t>
+              <a:t>22-02-2024</a:t>
             </a:fld>
             <a:endParaRPr lang="da-DK"/>
           </a:p>
@@ -9349,7 +10112,7 @@
           <a:p>
             <a:fld id="{FC6A8477-28DE-4BB0-B44B-4F06232BECEB}" type="datetimeFigureOut">
               <a:rPr lang="da-DK" smtClean="0"/>
-              <a:t>21-02-2024</a:t>
+              <a:t>22-02-2024</a:t>
             </a:fld>
             <a:endParaRPr lang="da-DK"/>
           </a:p>
@@ -9731,7 +10494,7 @@
           <a:p>
             <a:fld id="{FC6A8477-28DE-4BB0-B44B-4F06232BECEB}" type="datetimeFigureOut">
               <a:rPr lang="da-DK" smtClean="0"/>
-              <a:t>21-02-2024</a:t>
+              <a:t>22-02-2024</a:t>
             </a:fld>
             <a:endParaRPr lang="da-DK"/>
           </a:p>
@@ -9849,7 +10612,7 @@
           <a:p>
             <a:fld id="{FC6A8477-28DE-4BB0-B44B-4F06232BECEB}" type="datetimeFigureOut">
               <a:rPr lang="da-DK" smtClean="0"/>
-              <a:t>21-02-2024</a:t>
+              <a:t>22-02-2024</a:t>
             </a:fld>
             <a:endParaRPr lang="da-DK"/>
           </a:p>
@@ -9944,7 +10707,7 @@
           <a:p>
             <a:fld id="{FC6A8477-28DE-4BB0-B44B-4F06232BECEB}" type="datetimeFigureOut">
               <a:rPr lang="da-DK" smtClean="0"/>
-              <a:t>21-02-2024</a:t>
+              <a:t>22-02-2024</a:t>
             </a:fld>
             <a:endParaRPr lang="da-DK"/>
           </a:p>
@@ -11053,7 +11816,7 @@
           <a:p>
             <a:fld id="{FC6A8477-28DE-4BB0-B44B-4F06232BECEB}" type="datetimeFigureOut">
               <a:rPr lang="da-DK" smtClean="0"/>
-              <a:t>21-02-2024</a:t>
+              <a:t>22-02-2024</a:t>
             </a:fld>
             <a:endParaRPr lang="da-DK"/>
           </a:p>
@@ -12186,7 +12949,7 @@
           <a:p>
             <a:fld id="{FC6A8477-28DE-4BB0-B44B-4F06232BECEB}" type="datetimeFigureOut">
               <a:rPr lang="da-DK" smtClean="0"/>
-              <a:t>21-02-2024</a:t>
+              <a:t>22-02-2024</a:t>
             </a:fld>
             <a:endParaRPr lang="da-DK"/>
           </a:p>
@@ -13214,7 +13977,7 @@
           <a:p>
             <a:fld id="{FC6A8477-28DE-4BB0-B44B-4F06232BECEB}" type="datetimeFigureOut">
               <a:rPr lang="da-DK" smtClean="0"/>
-              <a:t>21-02-2024</a:t>
+              <a:t>22-02-2024</a:t>
             </a:fld>
             <a:endParaRPr lang="da-DK"/>
           </a:p>
@@ -13914,7 +14677,7 @@
         </p:nvSpPr>
         <p:spPr>
           <a:xfrm>
-            <a:off x="631179" y="1958272"/>
+            <a:off x="558989" y="2535788"/>
             <a:ext cx="5801990" cy="1569660"/>
           </a:xfrm>
           <a:prstGeom prst="rect">
@@ -18644,7 +19407,7 @@
           <p:nvPr/>
         </p:nvPicPr>
         <p:blipFill>
-          <a:blip r:embed="rId2"/>
+          <a:blip r:embed="rId3"/>
           <a:stretch>
             <a:fillRect/>
           </a:stretch>
@@ -18719,195 +19482,308 @@
       </p:sp>
       <p:sp>
         <p:nvSpPr>
-          <p:cNvPr id="3" name="Pladsholder til indhold 2">
+          <p:cNvPr id="4" name="Tekstfelt 3">
             <a:extLst>
               <a:ext uri="{FF2B5EF4-FFF2-40B4-BE49-F238E27FC236}">
-                <a16:creationId xmlns:a16="http://schemas.microsoft.com/office/drawing/2014/main" id="{5AF211EF-8E8A-809D-3BFD-217E6EA30834}"/>
+                <a16:creationId xmlns:a16="http://schemas.microsoft.com/office/drawing/2014/main" id="{7F6B7581-8F6C-CECC-BE19-BC4A78E3B4E3}"/>
               </a:ext>
             </a:extLst>
           </p:cNvPr>
-          <p:cNvSpPr>
-            <a:spLocks noGrp="1"/>
-          </p:cNvSpPr>
-          <p:nvPr>
-            <p:ph idx="1"/>
-          </p:nvPr>
+          <p:cNvSpPr txBox="1"/>
+          <p:nvPr/>
         </p:nvSpPr>
-        <p:spPr/>
+        <p:spPr>
+          <a:xfrm>
+            <a:off x="5871411" y="2831432"/>
+            <a:ext cx="4346062" cy="1292662"/>
+          </a:xfrm>
+          <a:prstGeom prst="rect">
+            <a:avLst/>
+          </a:prstGeom>
+          <a:noFill/>
+        </p:spPr>
         <p:txBody>
-          <a:bodyPr>
-            <a:noAutofit/>
+          <a:bodyPr wrap="none" rtlCol="0">
+            <a:spAutoFit/>
           </a:bodyPr>
           <a:lstStyle/>
           <a:p>
+            <a:pPr marL="171450" indent="-171450">
+              <a:buFont typeface="Arial" panose="020B0604020202020204" pitchFamily="34" charset="0"/>
+              <a:buChar char="•"/>
+            </a:pPr>
+            <a:r>
+              <a:rPr lang="da-DK" sz="1000" b="1" dirty="0"/>
+              <a:t>Fordele</a:t>
+            </a:r>
+          </a:p>
+          <a:p>
+            <a:pPr marL="628650" lvl="1" indent="-171450">
+              <a:buFont typeface="Arial" panose="020B0604020202020204" pitchFamily="34" charset="0"/>
+              <a:buChar char="•"/>
+            </a:pPr>
+            <a:r>
+              <a:rPr lang="da-DK" sz="1000" b="1" dirty="0"/>
+              <a:t>Ren interface til data</a:t>
+            </a:r>
+          </a:p>
+          <a:p>
+            <a:pPr marL="628650" lvl="1" indent="-171450">
+              <a:buFont typeface="Arial" panose="020B0604020202020204" pitchFamily="34" charset="0"/>
+              <a:buChar char="•"/>
+            </a:pPr>
+            <a:r>
+              <a:rPr lang="da-DK" sz="1000" b="1" dirty="0"/>
+              <a:t>Re-</a:t>
+            </a:r>
+            <a:r>
+              <a:rPr lang="da-DK" sz="1000" b="1" dirty="0" err="1"/>
+              <a:t>entrant</a:t>
+            </a:r>
+            <a:endParaRPr lang="da-DK" sz="1000" b="1" dirty="0"/>
+          </a:p>
+          <a:p>
+            <a:pPr marL="628650" lvl="1" indent="-171450">
+              <a:buFont typeface="Arial" panose="020B0604020202020204" pitchFamily="34" charset="0"/>
+              <a:buChar char="•"/>
+            </a:pPr>
+            <a:r>
+              <a:rPr lang="da-DK" sz="1000" b="1" dirty="0"/>
+              <a:t>Nem </a:t>
+            </a:r>
+            <a:r>
+              <a:rPr lang="da-DK" sz="1000" b="1" dirty="0" err="1"/>
+              <a:t>lock</a:t>
+            </a:r>
+            <a:r>
+              <a:rPr lang="da-DK" sz="1000" b="1" dirty="0"/>
+              <a:t>, da det er nemt at overskue data</a:t>
+            </a:r>
+          </a:p>
+          <a:p>
+            <a:pPr marL="628650" lvl="1" indent="-171450">
+              <a:buFont typeface="Arial" panose="020B0604020202020204" pitchFamily="34" charset="0"/>
+              <a:buChar char="•"/>
+            </a:pPr>
+            <a:r>
+              <a:rPr lang="da-DK" sz="1000" b="1" dirty="0"/>
+              <a:t>Nem test via isolation</a:t>
+            </a:r>
+          </a:p>
+          <a:p>
+            <a:pPr marL="628650" lvl="1" indent="-171450">
+              <a:buFont typeface="Arial" panose="020B0604020202020204" pitchFamily="34" charset="0"/>
+              <a:buChar char="•"/>
+            </a:pPr>
+            <a:r>
+              <a:rPr lang="da-DK" sz="1000" b="1" dirty="0"/>
+              <a:t>Data ligger i kode og gør at man ikke utilsigtet tilgår den</a:t>
+            </a:r>
             <a:r>
               <a:rPr lang="da-DK" sz="800" b="1" dirty="0"/>
+              <a:t>.</a:t>
+            </a:r>
+          </a:p>
+          <a:p>
+            <a:endParaRPr lang="da-DK" dirty="0"/>
+          </a:p>
+        </p:txBody>
+      </p:sp>
+      <p:sp>
+        <p:nvSpPr>
+          <p:cNvPr id="5" name="Tekstfelt 4">
+            <a:extLst>
+              <a:ext uri="{FF2B5EF4-FFF2-40B4-BE49-F238E27FC236}">
+                <a16:creationId xmlns:a16="http://schemas.microsoft.com/office/drawing/2014/main" id="{0FDA069D-7181-2E50-E4F7-68AC290E108D}"/>
+              </a:ext>
+            </a:extLst>
+          </p:cNvPr>
+          <p:cNvSpPr txBox="1"/>
+          <p:nvPr/>
+        </p:nvSpPr>
+        <p:spPr>
+          <a:xfrm>
+            <a:off x="1154953" y="2831432"/>
+            <a:ext cx="4565673" cy="2215991"/>
+          </a:xfrm>
+          <a:prstGeom prst="rect">
+            <a:avLst/>
+          </a:prstGeom>
+          <a:noFill/>
+        </p:spPr>
+        <p:txBody>
+          <a:bodyPr wrap="none" rtlCol="0">
+            <a:spAutoFit/>
+          </a:bodyPr>
+          <a:lstStyle/>
+          <a:p>
+            <a:pPr marL="171450" indent="-171450">
+              <a:buFont typeface="Arial" panose="020B0604020202020204" pitchFamily="34" charset="0"/>
+              <a:buChar char="•"/>
+            </a:pPr>
+            <a:r>
+              <a:rPr lang="da-DK" sz="1000" b="1" dirty="0"/>
               <a:t>Definition</a:t>
             </a:r>
           </a:p>
           <a:p>
+            <a:pPr marL="628650" lvl="1" indent="-171450">
+              <a:buFont typeface="Arial" panose="020B0604020202020204" pitchFamily="34" charset="0"/>
+              <a:buChar char="•"/>
+            </a:pPr>
+            <a:r>
+              <a:rPr lang="da-DK" sz="1000" b="1" dirty="0"/>
+              <a:t>Indhold sendes som parameter brug </a:t>
+            </a:r>
+            <a:r>
+              <a:rPr lang="da-DK" sz="1000" b="1" dirty="0" err="1"/>
+              <a:t>self</a:t>
+            </a:r>
+            <a:r>
+              <a:rPr lang="da-DK" sz="1000" b="1" dirty="0"/>
+              <a:t> parameter</a:t>
+            </a:r>
+          </a:p>
+          <a:p>
+            <a:pPr marL="628650" lvl="1" indent="-171450">
+              <a:buFont typeface="Arial" panose="020B0604020202020204" pitchFamily="34" charset="0"/>
+              <a:buChar char="•"/>
+            </a:pPr>
+            <a:r>
+              <a:rPr lang="da-DK" sz="1000" b="1" dirty="0"/>
+              <a:t>Data er aldrig globalt</a:t>
+            </a:r>
+          </a:p>
+          <a:p>
+            <a:pPr marL="628650" lvl="1" indent="-171450">
+              <a:buFont typeface="Arial" panose="020B0604020202020204" pitchFamily="34" charset="0"/>
+              <a:buChar char="•"/>
+            </a:pPr>
+            <a:r>
+              <a:rPr lang="da-DK" sz="1000" b="1" dirty="0"/>
+              <a:t>Funktioner har ikke statisk data</a:t>
+            </a:r>
+          </a:p>
+          <a:p>
+            <a:pPr marL="628650" lvl="1" indent="-171450">
+              <a:buFont typeface="Arial" panose="020B0604020202020204" pitchFamily="34" charset="0"/>
+              <a:buChar char="•"/>
+            </a:pPr>
+            <a:r>
+              <a:rPr lang="da-DK" sz="1000" b="1" dirty="0"/>
+              <a:t>Data følger </a:t>
+            </a:r>
+            <a:r>
+              <a:rPr lang="da-DK" sz="1000" b="1" dirty="0" err="1"/>
+              <a:t>call</a:t>
+            </a:r>
+            <a:r>
+              <a:rPr lang="da-DK" sz="1000" b="1" dirty="0"/>
+              <a:t> </a:t>
+            </a:r>
+            <a:r>
+              <a:rPr lang="da-DK" sz="1000" b="1" dirty="0" err="1"/>
+              <a:t>path</a:t>
+            </a:r>
+            <a:r>
+              <a:rPr lang="da-DK" sz="1000" b="1" dirty="0"/>
+              <a:t> (ingen statik variabler)</a:t>
+            </a:r>
+          </a:p>
+          <a:p>
             <a:pPr lvl="1"/>
-            <a:r>
-              <a:rPr lang="da-DK" sz="800" b="1" dirty="0"/>
-              <a:t>Indhold sendes som parameter</a:t>
-            </a:r>
-          </a:p>
-          <a:p>
-            <a:pPr lvl="1"/>
-            <a:r>
-              <a:rPr lang="da-DK" sz="800" b="1" dirty="0"/>
-              <a:t>Data er aldrig globalt</a:t>
-            </a:r>
-          </a:p>
-          <a:p>
-            <a:pPr lvl="1"/>
-            <a:r>
-              <a:rPr lang="da-DK" sz="800" b="1" dirty="0"/>
-              <a:t>Funktioner har ikke statisk data</a:t>
-            </a:r>
-          </a:p>
-          <a:p>
-            <a:pPr lvl="1"/>
-            <a:r>
-              <a:rPr lang="da-DK" sz="800" b="1" dirty="0"/>
-              <a:t>Data følger </a:t>
-            </a:r>
-            <a:r>
-              <a:rPr lang="da-DK" sz="800" b="1" dirty="0" err="1"/>
-              <a:t>call</a:t>
-            </a:r>
-            <a:r>
-              <a:rPr lang="da-DK" sz="800" b="1" dirty="0"/>
-              <a:t> </a:t>
-            </a:r>
-            <a:r>
-              <a:rPr lang="da-DK" sz="800" b="1" dirty="0" err="1"/>
-              <a:t>path</a:t>
-            </a:r>
-            <a:endParaRPr lang="da-DK" sz="800" b="1" dirty="0"/>
-          </a:p>
-          <a:p>
-            <a:r>
-              <a:rPr lang="da-DK" sz="800" b="1" dirty="0"/>
+            <a:endParaRPr lang="da-DK" sz="1000" b="1" dirty="0"/>
+          </a:p>
+          <a:p>
+            <a:pPr marL="171450" indent="-171450">
+              <a:buFont typeface="Arial" panose="020B0604020202020204" pitchFamily="34" charset="0"/>
+              <a:buChar char="•"/>
+            </a:pPr>
+            <a:r>
+              <a:rPr lang="da-DK" sz="1000" b="1" dirty="0"/>
               <a:t>Eksempler</a:t>
             </a:r>
           </a:p>
           <a:p>
-            <a:pPr lvl="1"/>
-            <a:r>
-              <a:rPr lang="da-DK" sz="800" b="1" dirty="0"/>
+            <a:pPr marL="628650" lvl="1" indent="-171450">
+              <a:buFont typeface="Arial" panose="020B0604020202020204" pitchFamily="34" charset="0"/>
+              <a:buChar char="•"/>
+            </a:pPr>
+            <a:r>
+              <a:rPr lang="da-DK" sz="1000" b="1" dirty="0"/>
               <a:t>Grupper data i </a:t>
             </a:r>
             <a:r>
-              <a:rPr lang="da-DK" sz="800" b="1" dirty="0" err="1"/>
+              <a:rPr lang="da-DK" sz="1000" b="1" dirty="0" err="1"/>
               <a:t>struct</a:t>
             </a:r>
             <a:r>
-              <a:rPr lang="da-DK" sz="800" b="1" dirty="0"/>
+              <a:rPr lang="da-DK" sz="1000" b="1" dirty="0"/>
               <a:t> for at sortere dem</a:t>
             </a:r>
           </a:p>
           <a:p>
-            <a:pPr lvl="1"/>
-            <a:r>
-              <a:rPr lang="da-DK" sz="800" b="1" dirty="0"/>
+            <a:pPr marL="628650" lvl="1" indent="-171450">
+              <a:buFont typeface="Arial" panose="020B0604020202020204" pitchFamily="34" charset="0"/>
+              <a:buChar char="•"/>
+            </a:pPr>
+            <a:r>
+              <a:rPr lang="da-DK" sz="1000" b="1" dirty="0"/>
               <a:t>Object pattern er den primær måde at </a:t>
             </a:r>
             <a:r>
-              <a:rPr lang="da-DK" sz="800" b="1" dirty="0" err="1"/>
+              <a:rPr lang="da-DK" sz="1000" b="1" dirty="0" err="1"/>
               <a:t>implemtere</a:t>
             </a:r>
             <a:r>
-              <a:rPr lang="da-DK" sz="800" b="1" dirty="0"/>
+              <a:rPr lang="da-DK" sz="1000" b="1" dirty="0"/>
               <a:t> singleton</a:t>
             </a:r>
           </a:p>
           <a:p>
-            <a:pPr lvl="1"/>
-            <a:r>
-              <a:rPr lang="da-DK" sz="800" b="1" dirty="0"/>
+            <a:pPr marL="628650" lvl="1" indent="-171450">
+              <a:buFont typeface="Arial" panose="020B0604020202020204" pitchFamily="34" charset="0"/>
+              <a:buChar char="•"/>
+            </a:pPr>
+            <a:r>
+              <a:rPr lang="da-DK" sz="1000" b="1" dirty="0"/>
               <a:t>Abstrakt interface</a:t>
             </a:r>
           </a:p>
           <a:p>
-            <a:pPr lvl="1"/>
-            <a:r>
-              <a:rPr lang="da-DK" sz="800" b="1" dirty="0" err="1"/>
-              <a:t>Multithread</a:t>
-            </a:r>
-            <a:r>
-              <a:rPr lang="da-DK" sz="800" b="1" dirty="0"/>
+            <a:pPr marL="628650" lvl="1" indent="-171450">
+              <a:buFont typeface="Arial" panose="020B0604020202020204" pitchFamily="34" charset="0"/>
+              <a:buChar char="•"/>
+            </a:pPr>
+            <a:r>
+              <a:rPr lang="da-DK" sz="1000" b="1" dirty="0" err="1"/>
+              <a:t>Multi-thread</a:t>
+            </a:r>
+            <a:r>
+              <a:rPr lang="da-DK" sz="1000" b="1" dirty="0"/>
               <a:t> design</a:t>
             </a:r>
           </a:p>
           <a:p>
-            <a:pPr lvl="1"/>
-            <a:r>
-              <a:rPr lang="da-DK" sz="800" b="1" dirty="0"/>
+            <a:pPr marL="628650" lvl="1" indent="-171450">
+              <a:buFont typeface="Arial" panose="020B0604020202020204" pitchFamily="34" charset="0"/>
+              <a:buChar char="•"/>
+            </a:pPr>
+            <a:r>
+              <a:rPr lang="da-DK" sz="1000" b="1" dirty="0"/>
               <a:t>Håndtere data i </a:t>
             </a:r>
             <a:r>
-              <a:rPr lang="da-DK" sz="800" b="1" dirty="0" err="1"/>
+              <a:rPr lang="da-DK" sz="1000" b="1" dirty="0" err="1"/>
               <a:t>opaque</a:t>
             </a:r>
             <a:r>
-              <a:rPr lang="da-DK" sz="800" b="1" dirty="0"/>
+              <a:rPr lang="da-DK" sz="1000" b="1" dirty="0"/>
               <a:t> pattern. </a:t>
             </a:r>
           </a:p>
           <a:p>
-            <a:r>
-              <a:rPr lang="da-DK" sz="800" b="1" dirty="0"/>
-              <a:t>Fordele</a:t>
-            </a:r>
-          </a:p>
-          <a:p>
-            <a:pPr lvl="1"/>
-            <a:r>
-              <a:rPr lang="da-DK" sz="800" b="1" dirty="0"/>
-              <a:t>Ren interface til data</a:t>
-            </a:r>
-          </a:p>
-          <a:p>
-            <a:pPr lvl="1"/>
-            <a:r>
-              <a:rPr lang="da-DK" sz="800" b="1" dirty="0"/>
-              <a:t>Re-</a:t>
-            </a:r>
-            <a:r>
-              <a:rPr lang="da-DK" sz="800" b="1" dirty="0" err="1"/>
-              <a:t>entrant</a:t>
-            </a:r>
-            <a:endParaRPr lang="da-DK" sz="800" b="1" dirty="0"/>
-          </a:p>
-          <a:p>
-            <a:pPr lvl="1"/>
-            <a:r>
-              <a:rPr lang="da-DK" sz="800" b="1" dirty="0"/>
-              <a:t>Nem </a:t>
-            </a:r>
-            <a:r>
-              <a:rPr lang="da-DK" sz="800" b="1" dirty="0" err="1"/>
-              <a:t>loack</a:t>
-            </a:r>
-            <a:r>
-              <a:rPr lang="da-DK" sz="800" b="1" dirty="0"/>
-              <a:t>, da det er nemt at overskue data</a:t>
-            </a:r>
-          </a:p>
-          <a:p>
-            <a:pPr lvl="1"/>
-            <a:r>
-              <a:rPr lang="da-DK" sz="800" b="1" dirty="0"/>
-              <a:t>Nem test via isolation</a:t>
-            </a:r>
-          </a:p>
-          <a:p>
-            <a:pPr lvl="1"/>
-            <a:r>
-              <a:rPr lang="da-DK" sz="800" b="1" dirty="0"/>
-              <a:t>Data ligger i kode og gør at man ikke utilsigtet tilgår den.</a:t>
-            </a:r>
+            <a:endParaRPr lang="da-DK" dirty="0"/>
           </a:p>
         </p:txBody>
       </p:sp>
@@ -18994,9 +19870,47 @@
         </p:spPr>
         <p:txBody>
           <a:bodyPr>
-            <a:normAutofit fontScale="92500" lnSpcReduction="20000"/>
+            <a:normAutofit fontScale="77500" lnSpcReduction="20000"/>
           </a:bodyPr>
           <a:lstStyle/>
+          <a:p>
+            <a:pPr marL="0" indent="0">
+              <a:buNone/>
+            </a:pPr>
+            <a:r>
+              <a:rPr lang="en-US" sz="1200" b="1" i="0" dirty="0">
+                <a:solidFill>
+                  <a:srgbClr val="333333"/>
+                </a:solidFill>
+                <a:effectLst/>
+                <a:latin typeface="Courier New" panose="02070309020205020404" pitchFamily="49" charset="0"/>
+                <a:cs typeface="Courier New" panose="02070309020205020404" pitchFamily="49" charset="0"/>
+              </a:rPr>
+              <a:t>“</a:t>
+            </a:r>
+            <a:r>
+              <a:rPr lang="en-US" sz="1200" b="1" i="0" dirty="0" err="1">
+                <a:solidFill>
+                  <a:srgbClr val="333333"/>
+                </a:solidFill>
+                <a:effectLst/>
+                <a:latin typeface="Courier New" panose="02070309020205020404" pitchFamily="49" charset="0"/>
+                <a:cs typeface="Courier New" panose="02070309020205020404" pitchFamily="49" charset="0"/>
+              </a:rPr>
+              <a:t>my_object.h</a:t>
+            </a:r>
+            <a:r>
+              <a:rPr lang="en-US" sz="1200" b="1" i="0" dirty="0">
+                <a:solidFill>
+                  <a:srgbClr val="333333"/>
+                </a:solidFill>
+                <a:effectLst/>
+                <a:latin typeface="Courier New" panose="02070309020205020404" pitchFamily="49" charset="0"/>
+                <a:cs typeface="Courier New" panose="02070309020205020404" pitchFamily="49" charset="0"/>
+              </a:rPr>
+              <a:t>”</a:t>
+            </a:r>
+          </a:p>
           <a:p>
             <a:pPr marL="0" indent="0">
               <a:buNone/>
@@ -19048,7 +19962,7 @@
                 <a:latin typeface="Courier New" panose="02070309020205020404" pitchFamily="49" charset="0"/>
                 <a:cs typeface="Courier New" panose="02070309020205020404" pitchFamily="49" charset="0"/>
               </a:rPr>
-              <a:t>uint32_t variable; </a:t>
+              <a:t>  uint32_t variable; </a:t>
             </a:r>
           </a:p>
           <a:p>
@@ -19064,7 +19978,7 @@
                 <a:latin typeface="Courier New" panose="02070309020205020404" pitchFamily="49" charset="0"/>
                 <a:cs typeface="Courier New" panose="02070309020205020404" pitchFamily="49" charset="0"/>
               </a:rPr>
-              <a:t>uint32_t flags; </a:t>
+              <a:t>  uint32_t flags; </a:t>
             </a:r>
           </a:p>
           <a:p>
@@ -19250,7 +20164,7 @@
         <p:spPr>
           <a:xfrm>
             <a:off x="5447427" y="2424000"/>
-            <a:ext cx="4903772" cy="1384995"/>
+            <a:ext cx="4903772" cy="1754326"/>
           </a:xfrm>
           <a:prstGeom prst="rect">
             <a:avLst/>
@@ -19264,6 +20178,29 @@
           <a:lstStyle/>
           <a:p>
             <a:r>
+              <a:rPr lang="en-US" sz="1200" b="1" dirty="0">
+                <a:latin typeface="Courier New" panose="02070309020205020404" pitchFamily="49" charset="0"/>
+                <a:cs typeface="Courier New" panose="02070309020205020404" pitchFamily="49" charset="0"/>
+              </a:rPr>
+              <a:t>“</a:t>
+            </a:r>
+            <a:r>
+              <a:rPr lang="en-US" sz="1200" b="1" dirty="0" err="1">
+                <a:latin typeface="Courier New" panose="02070309020205020404" pitchFamily="49" charset="0"/>
+                <a:cs typeface="Courier New" panose="02070309020205020404" pitchFamily="49" charset="0"/>
+              </a:rPr>
+              <a:t>my_object.c</a:t>
+            </a:r>
+            <a:r>
+              <a:rPr lang="en-US" sz="1200" b="1" dirty="0">
+                <a:latin typeface="Courier New" panose="02070309020205020404" pitchFamily="49" charset="0"/>
+                <a:cs typeface="Courier New" panose="02070309020205020404" pitchFamily="49" charset="0"/>
+              </a:rPr>
+              <a:t>”</a:t>
+            </a:r>
+          </a:p>
+          <a:p>
+            <a:r>
               <a:rPr lang="en-US" sz="1200" dirty="0">
                 <a:latin typeface="Courier New" panose="02070309020205020404" pitchFamily="49" charset="0"/>
                 <a:cs typeface="Courier New" panose="02070309020205020404" pitchFamily="49" charset="0"/>
@@ -19327,6 +20264,12 @@
             </a:r>
           </a:p>
           <a:p>
+            <a:endParaRPr lang="en-US" sz="1200" dirty="0">
+              <a:latin typeface="Courier New" panose="02070309020205020404" pitchFamily="49" charset="0"/>
+              <a:cs typeface="Courier New" panose="02070309020205020404" pitchFamily="49" charset="0"/>
+            </a:endParaRPr>
+          </a:p>
+          <a:p>
             <a:r>
               <a:rPr lang="en-US" sz="1200" dirty="0">
                 <a:latin typeface="Courier New" panose="02070309020205020404" pitchFamily="49" charset="0"/>
@@ -19350,6 +20293,13 @@
             </a:r>
           </a:p>
           <a:p>
+            <a:r>
+              <a:rPr lang="en-US" sz="1200" dirty="0">
+                <a:latin typeface="Courier New" panose="02070309020205020404" pitchFamily="49" charset="0"/>
+                <a:cs typeface="Courier New" panose="02070309020205020404" pitchFamily="49" charset="0"/>
+              </a:rPr>
+              <a:t>  </a:t>
+            </a:r>
             <a:r>
               <a:rPr lang="en-US" sz="1200" dirty="0" err="1">
                 <a:latin typeface="Courier New" panose="02070309020205020404" pitchFamily="49" charset="0"/>
@@ -21461,4 +22411,299 @@
     </a:ext>
   </a:extLst>
 </a:theme>
+</file>
+
+<file path=ppt/theme/theme2.xml><?xml version="1.0" encoding="utf-8"?>
+<a:theme xmlns:a="http://schemas.openxmlformats.org/drawingml/2006/main" name="Office-tema">
+  <a:themeElements>
+    <a:clrScheme name="Office">
+      <a:dk1>
+        <a:sysClr val="windowText" lastClr="000000"/>
+      </a:dk1>
+      <a:lt1>
+        <a:sysClr val="window" lastClr="FFFFFF"/>
+      </a:lt1>
+      <a:dk2>
+        <a:srgbClr val="44546A"/>
+      </a:dk2>
+      <a:lt2>
+        <a:srgbClr val="E7E6E6"/>
+      </a:lt2>
+      <a:accent1>
+        <a:srgbClr val="4472C4"/>
+      </a:accent1>
+      <a:accent2>
+        <a:srgbClr val="ED7D31"/>
+      </a:accent2>
+      <a:accent3>
+        <a:srgbClr val="A5A5A5"/>
+      </a:accent3>
+      <a:accent4>
+        <a:srgbClr val="FFC000"/>
+      </a:accent4>
+      <a:accent5>
+        <a:srgbClr val="5B9BD5"/>
+      </a:accent5>
+      <a:accent6>
+        <a:srgbClr val="70AD47"/>
+      </a:accent6>
+      <a:hlink>
+        <a:srgbClr val="0563C1"/>
+      </a:hlink>
+      <a:folHlink>
+        <a:srgbClr val="954F72"/>
+      </a:folHlink>
+    </a:clrScheme>
+    <a:fontScheme name="Office">
+      <a:majorFont>
+        <a:latin typeface="Calibri Light" panose="020F0302020204030204"/>
+        <a:ea typeface=""/>
+        <a:cs typeface=""/>
+        <a:font script="Jpan" typeface="游ゴシック Light"/>
+        <a:font script="Hang" typeface="맑은 고딕"/>
+        <a:font script="Hans" typeface="等线 Light"/>
+        <a:font script="Hant" typeface="新細明體"/>
+        <a:font script="Arab" typeface="Times New Roman"/>
+        <a:font script="Hebr" typeface="Times New Roman"/>
+        <a:font script="Thai" typeface="Angsana New"/>
+        <a:font script="Ethi" typeface="Nyala"/>
+        <a:font script="Beng" typeface="Vrinda"/>
+        <a:font script="Gujr" typeface="Shruti"/>
+        <a:font script="Khmr" typeface="MoolBoran"/>
+        <a:font script="Knda" typeface="Tunga"/>
+        <a:font script="Guru" typeface="Raavi"/>
+        <a:font script="Cans" typeface="Euphemia"/>
+        <a:font script="Cher" typeface="Plantagenet Cherokee"/>
+        <a:font script="Yiii" typeface="Microsoft Yi Baiti"/>
+        <a:font script="Tibt" typeface="Microsoft Himalaya"/>
+        <a:font script="Thaa" typeface="MV Boli"/>
+        <a:font script="Deva" typeface="Mangal"/>
+        <a:font script="Telu" typeface="Gautami"/>
+        <a:font script="Taml" typeface="Latha"/>
+        <a:font script="Syrc" typeface="Estrangelo Edessa"/>
+        <a:font script="Orya" typeface="Kalinga"/>
+        <a:font script="Mlym" typeface="Kartika"/>
+        <a:font script="Laoo" typeface="DokChampa"/>
+        <a:font script="Sinh" typeface="Iskoola Pota"/>
+        <a:font script="Mong" typeface="Mongolian Baiti"/>
+        <a:font script="Viet" typeface="Times New Roman"/>
+        <a:font script="Uigh" typeface="Microsoft Uighur"/>
+        <a:font script="Geor" typeface="Sylfaen"/>
+        <a:font script="Armn" typeface="Arial"/>
+        <a:font script="Bugi" typeface="Leelawadee UI"/>
+        <a:font script="Bopo" typeface="Microsoft JhengHei"/>
+        <a:font script="Java" typeface="Javanese Text"/>
+        <a:font script="Lisu" typeface="Segoe UI"/>
+        <a:font script="Mymr" typeface="Myanmar Text"/>
+        <a:font script="Nkoo" typeface="Ebrima"/>
+        <a:font script="Olck" typeface="Nirmala UI"/>
+        <a:font script="Osma" typeface="Ebrima"/>
+        <a:font script="Phag" typeface="Phagspa"/>
+        <a:font script="Syrn" typeface="Estrangelo Edessa"/>
+        <a:font script="Syrj" typeface="Estrangelo Edessa"/>
+        <a:font script="Syre" typeface="Estrangelo Edessa"/>
+        <a:font script="Sora" typeface="Nirmala UI"/>
+        <a:font script="Tale" typeface="Microsoft Tai Le"/>
+        <a:font script="Talu" typeface="Microsoft New Tai Lue"/>
+        <a:font script="Tfng" typeface="Ebrima"/>
+      </a:majorFont>
+      <a:minorFont>
+        <a:latin typeface="Calibri" panose="020F0502020204030204"/>
+        <a:ea typeface=""/>
+        <a:cs typeface=""/>
+        <a:font script="Jpan" typeface="游ゴシック"/>
+        <a:font script="Hang" typeface="맑은 고딕"/>
+        <a:font script="Hans" typeface="等线"/>
+        <a:font script="Hant" typeface="新細明體"/>
+        <a:font script="Arab" typeface="Arial"/>
+        <a:font script="Hebr" typeface="Arial"/>
+        <a:font script="Thai" typeface="Cordia New"/>
+        <a:font script="Ethi" typeface="Nyala"/>
+        <a:font script="Beng" typeface="Vrinda"/>
+        <a:font script="Gujr" typeface="Shruti"/>
+        <a:font script="Khmr" typeface="DaunPenh"/>
+        <a:font script="Knda" typeface="Tunga"/>
+        <a:font script="Guru" typeface="Raavi"/>
+        <a:font script="Cans" typeface="Euphemia"/>
+        <a:font script="Cher" typeface="Plantagenet Cherokee"/>
+        <a:font script="Yiii" typeface="Microsoft Yi Baiti"/>
+        <a:font script="Tibt" typeface="Microsoft Himalaya"/>
+        <a:font script="Thaa" typeface="MV Boli"/>
+        <a:font script="Deva" typeface="Mangal"/>
+        <a:font script="Telu" typeface="Gautami"/>
+        <a:font script="Taml" typeface="Latha"/>
+        <a:font script="Syrc" typeface="Estrangelo Edessa"/>
+        <a:font script="Orya" typeface="Kalinga"/>
+        <a:font script="Mlym" typeface="Kartika"/>
+        <a:font script="Laoo" typeface="DokChampa"/>
+        <a:font script="Sinh" typeface="Iskoola Pota"/>
+        <a:font script="Mong" typeface="Mongolian Baiti"/>
+        <a:font script="Viet" typeface="Arial"/>
+        <a:font script="Uigh" typeface="Microsoft Uighur"/>
+        <a:font script="Geor" typeface="Sylfaen"/>
+        <a:font script="Armn" typeface="Arial"/>
+        <a:font script="Bugi" typeface="Leelawadee UI"/>
+        <a:font script="Bopo" typeface="Microsoft JhengHei"/>
+        <a:font script="Java" typeface="Javanese Text"/>
+        <a:font script="Lisu" typeface="Segoe UI"/>
+        <a:font script="Mymr" typeface="Myanmar Text"/>
+        <a:font script="Nkoo" typeface="Ebrima"/>
+        <a:font script="Olck" typeface="Nirmala UI"/>
+        <a:font script="Osma" typeface="Ebrima"/>
+        <a:font script="Phag" typeface="Phagspa"/>
+        <a:font script="Syrn" typeface="Estrangelo Edessa"/>
+        <a:font script="Syrj" typeface="Estrangelo Edessa"/>
+        <a:font script="Syre" typeface="Estrangelo Edessa"/>
+        <a:font script="Sora" typeface="Nirmala UI"/>
+        <a:font script="Tale" typeface="Microsoft Tai Le"/>
+        <a:font script="Talu" typeface="Microsoft New Tai Lue"/>
+        <a:font script="Tfng" typeface="Ebrima"/>
+      </a:minorFont>
+    </a:fontScheme>
+    <a:fmtScheme name="Office">
+      <a:fillStyleLst>
+        <a:solidFill>
+          <a:schemeClr val="phClr"/>
+        </a:solidFill>
+        <a:gradFill rotWithShape="1">
+          <a:gsLst>
+            <a:gs pos="0">
+              <a:schemeClr val="phClr">
+                <a:lumMod val="110000"/>
+                <a:satMod val="105000"/>
+                <a:tint val="67000"/>
+              </a:schemeClr>
+            </a:gs>
+            <a:gs pos="50000">
+              <a:schemeClr val="phClr">
+                <a:lumMod val="105000"/>
+                <a:satMod val="103000"/>
+                <a:tint val="73000"/>
+              </a:schemeClr>
+            </a:gs>
+            <a:gs pos="100000">
+              <a:schemeClr val="phClr">
+                <a:lumMod val="105000"/>
+                <a:satMod val="109000"/>
+                <a:tint val="81000"/>
+              </a:schemeClr>
+            </a:gs>
+          </a:gsLst>
+          <a:lin ang="5400000" scaled="0"/>
+        </a:gradFill>
+        <a:gradFill rotWithShape="1">
+          <a:gsLst>
+            <a:gs pos="0">
+              <a:schemeClr val="phClr">
+                <a:satMod val="103000"/>
+                <a:lumMod val="102000"/>
+                <a:tint val="94000"/>
+              </a:schemeClr>
+            </a:gs>
+            <a:gs pos="50000">
+              <a:schemeClr val="phClr">
+                <a:satMod val="110000"/>
+                <a:lumMod val="100000"/>
+                <a:shade val="100000"/>
+              </a:schemeClr>
+            </a:gs>
+            <a:gs pos="100000">
+              <a:schemeClr val="phClr">
+                <a:lumMod val="99000"/>
+                <a:satMod val="120000"/>
+                <a:shade val="78000"/>
+              </a:schemeClr>
+            </a:gs>
+          </a:gsLst>
+          <a:lin ang="5400000" scaled="0"/>
+        </a:gradFill>
+      </a:fillStyleLst>
+      <a:lnStyleLst>
+        <a:ln w="6350" cap="flat" cmpd="sng" algn="ctr">
+          <a:solidFill>
+            <a:schemeClr val="phClr"/>
+          </a:solidFill>
+          <a:prstDash val="solid"/>
+          <a:miter lim="800000"/>
+        </a:ln>
+        <a:ln w="12700" cap="flat" cmpd="sng" algn="ctr">
+          <a:solidFill>
+            <a:schemeClr val="phClr"/>
+          </a:solidFill>
+          <a:prstDash val="solid"/>
+          <a:miter lim="800000"/>
+        </a:ln>
+        <a:ln w="19050" cap="flat" cmpd="sng" algn="ctr">
+          <a:solidFill>
+            <a:schemeClr val="phClr"/>
+          </a:solidFill>
+          <a:prstDash val="solid"/>
+          <a:miter lim="800000"/>
+        </a:ln>
+      </a:lnStyleLst>
+      <a:effectStyleLst>
+        <a:effectStyle>
+          <a:effectLst/>
+        </a:effectStyle>
+        <a:effectStyle>
+          <a:effectLst/>
+        </a:effectStyle>
+        <a:effectStyle>
+          <a:effectLst>
+            <a:outerShdw blurRad="57150" dist="19050" dir="5400000" algn="ctr" rotWithShape="0">
+              <a:srgbClr val="000000">
+                <a:alpha val="63000"/>
+              </a:srgbClr>
+            </a:outerShdw>
+          </a:effectLst>
+        </a:effectStyle>
+      </a:effectStyleLst>
+      <a:bgFillStyleLst>
+        <a:solidFill>
+          <a:schemeClr val="phClr"/>
+        </a:solidFill>
+        <a:solidFill>
+          <a:schemeClr val="phClr">
+            <a:tint val="95000"/>
+            <a:satMod val="170000"/>
+          </a:schemeClr>
+        </a:solidFill>
+        <a:gradFill rotWithShape="1">
+          <a:gsLst>
+            <a:gs pos="0">
+              <a:schemeClr val="phClr">
+                <a:tint val="93000"/>
+                <a:satMod val="150000"/>
+                <a:shade val="98000"/>
+                <a:lumMod val="102000"/>
+              </a:schemeClr>
+            </a:gs>
+            <a:gs pos="50000">
+              <a:schemeClr val="phClr">
+                <a:tint val="98000"/>
+                <a:satMod val="130000"/>
+                <a:shade val="90000"/>
+                <a:lumMod val="103000"/>
+              </a:schemeClr>
+            </a:gs>
+            <a:gs pos="100000">
+              <a:schemeClr val="phClr">
+                <a:shade val="63000"/>
+                <a:satMod val="120000"/>
+              </a:schemeClr>
+            </a:gs>
+          </a:gsLst>
+          <a:lin ang="5400000" scaled="0"/>
+        </a:gradFill>
+      </a:bgFillStyleLst>
+    </a:fmtScheme>
+  </a:themeElements>
+  <a:objectDefaults/>
+  <a:extraClrSchemeLst/>
+  <a:extLst>
+    <a:ext uri="{05A4C25C-085E-4340-85A3-A5531E510DB2}">
+      <thm15:themeFamily xmlns:thm15="http://schemas.microsoft.com/office/thememl/2012/main" name="Office Theme" id="{62F939B6-93AF-4DB8-9C6B-D6C7DFDC589F}" vid="{4A3C46E8-61CC-4603-A589-7422A47A8E4A}"/>
+    </a:ext>
+  </a:extLst>
+</a:theme>
 </file>